--- a/Presentation/OOP_Project.pptx
+++ b/Presentation/OOP_Project.pptx
@@ -5,10 +5,10 @@
     <p:sldMasterId id="2147483658" r:id="rId4"/>
   </p:sldMasterIdLst>
   <p:notesMasterIdLst>
-    <p:notesMasterId r:id="rId19"/>
+    <p:notesMasterId r:id="rId20"/>
   </p:notesMasterIdLst>
   <p:handoutMasterIdLst>
-    <p:handoutMasterId r:id="rId20"/>
+    <p:handoutMasterId r:id="rId21"/>
   </p:handoutMasterIdLst>
   <p:sldIdLst>
     <p:sldId id="275" r:id="rId5"/>
@@ -21,10 +21,11 @@
     <p:sldId id="281" r:id="rId12"/>
     <p:sldId id="283" r:id="rId13"/>
     <p:sldId id="282" r:id="rId14"/>
-    <p:sldId id="285" r:id="rId15"/>
-    <p:sldId id="284" r:id="rId16"/>
-    <p:sldId id="287" r:id="rId17"/>
-    <p:sldId id="269" r:id="rId18"/>
+    <p:sldId id="288" r:id="rId15"/>
+    <p:sldId id="285" r:id="rId16"/>
+    <p:sldId id="284" r:id="rId17"/>
+    <p:sldId id="287" r:id="rId18"/>
+    <p:sldId id="269" r:id="rId19"/>
   </p:sldIdLst>
   <p:sldSz cx="9144000" cy="6858000" type="screen4x3"/>
   <p:notesSz cx="6858000" cy="9144000"/>
@@ -286,7 +287,7 @@
           <a:p>
             <a:fld id="{48B45424-6BAC-416C-8F6C-5F9DE854A36B}" type="datetimeFigureOut">
               <a:rPr lang="en-US" smtClean="0"/>
-              <a:t>1/6/2024</a:t>
+              <a:t>1/8/2024</a:t>
             </a:fld>
             <a:endParaRPr lang="en-US"/>
           </a:p>
@@ -464,7 +465,7 @@
           <a:p>
             <a:fld id="{6B733702-C25A-40B9-9167-54BAA79B29B0}" type="datetimeFigureOut">
               <a:rPr lang="en-US" smtClean="0"/>
-              <a:t>1/6/2024</a:t>
+              <a:t>1/8/2024</a:t>
             </a:fld>
             <a:endParaRPr lang="en-US"/>
           </a:p>
@@ -852,7 +853,7 @@
             <a:fld id="{F70EAA40-3A53-4A3D-924A-D38F1059C7D5}" type="datetime1">
               <a:rPr lang="en-US" smtClean="0"/>
               <a:pPr/>
-              <a:t>1/6/2024</a:t>
+              <a:t>1/8/2024</a:t>
             </a:fld>
             <a:endParaRPr lang="en-US"/>
           </a:p>
@@ -1082,7 +1083,7 @@
             <a:fld id="{F70EAA40-3A53-4A3D-924A-D38F1059C7D5}" type="datetime1">
               <a:rPr lang="en-US" smtClean="0"/>
               <a:pPr/>
-              <a:t>1/6/2024</a:t>
+              <a:t>1/8/2024</a:t>
             </a:fld>
             <a:endParaRPr lang="en-US"/>
           </a:p>
@@ -1416,7 +1417,7 @@
             <a:fld id="{F70EAA40-3A53-4A3D-924A-D38F1059C7D5}" type="datetime1">
               <a:rPr lang="en-US" smtClean="0"/>
               <a:pPr/>
-              <a:t>1/6/2024</a:t>
+              <a:t>1/8/2024</a:t>
             </a:fld>
             <a:endParaRPr lang="en-US"/>
           </a:p>
@@ -1750,7 +1751,7 @@
             <a:fld id="{F70EAA40-3A53-4A3D-924A-D38F1059C7D5}" type="datetime1">
               <a:rPr lang="en-US" smtClean="0"/>
               <a:pPr/>
-              <a:t>1/6/2024</a:t>
+              <a:t>1/8/2024</a:t>
             </a:fld>
             <a:endParaRPr lang="en-US"/>
           </a:p>
@@ -2436,7 +2437,7 @@
             <a:fld id="{F70EAA40-3A53-4A3D-924A-D38F1059C7D5}" type="datetime1">
               <a:rPr lang="en-US" smtClean="0"/>
               <a:pPr/>
-              <a:t>1/6/2024</a:t>
+              <a:t>1/8/2024</a:t>
             </a:fld>
             <a:endParaRPr lang="en-US"/>
           </a:p>
@@ -2626,7 +2627,7 @@
             <a:fld id="{F70EAA40-3A53-4A3D-924A-D38F1059C7D5}" type="datetime1">
               <a:rPr lang="en-US" smtClean="0"/>
               <a:pPr/>
-              <a:t>1/6/2024</a:t>
+              <a:t>1/8/2024</a:t>
             </a:fld>
             <a:endParaRPr lang="en-US"/>
           </a:p>
@@ -3209,7 +3210,7 @@
             <a:fld id="{F70EAA40-3A53-4A3D-924A-D38F1059C7D5}" type="datetime1">
               <a:rPr lang="en-US" smtClean="0"/>
               <a:pPr/>
-              <a:t>1/6/2024</a:t>
+              <a:t>1/8/2024</a:t>
             </a:fld>
             <a:endParaRPr lang="en-US"/>
           </a:p>
@@ -3395,7 +3396,7 @@
             <a:fld id="{F70EAA40-3A53-4A3D-924A-D38F1059C7D5}" type="datetime1">
               <a:rPr lang="en-US" smtClean="0"/>
               <a:pPr/>
-              <a:t>1/6/2024</a:t>
+              <a:t>1/8/2024</a:t>
             </a:fld>
             <a:endParaRPr lang="en-US"/>
           </a:p>
@@ -4245,49 +4246,26 @@
       </p:sp>
       <p:pic>
         <p:nvPicPr>
-          <p:cNvPr id="1026" name="Picture 2" descr="A diagram of a computer&#10;&#10;Description automatically generated with medium confidence">
-            <a:extLst>
-              <a:ext uri="{FF2B5EF4-FFF2-40B4-BE49-F238E27FC236}">
-                <a16:creationId xmlns:a16="http://schemas.microsoft.com/office/drawing/2014/main" id="{F1DD92F7-1BA1-8880-929F-EB208BF2018B}"/>
-              </a:ext>
-            </a:extLst>
-          </p:cNvPr>
+          <p:cNvPr id="5" name="Picture 4"/>
           <p:cNvPicPr>
-            <a:picLocks noChangeAspect="1" noChangeArrowheads="1"/>
+            <a:picLocks noChangeAspect="1"/>
           </p:cNvPicPr>
           <p:nvPr/>
         </p:nvPicPr>
         <p:blipFill>
-          <a:blip r:embed="rId2">
-            <a:extLst>
-              <a:ext uri="{28A0092B-C50C-407E-A947-70E740481C1C}">
-                <a14:useLocalDpi xmlns:a14="http://schemas.microsoft.com/office/drawing/2010/main" val="0"/>
-              </a:ext>
-            </a:extLst>
-          </a:blip>
-          <a:srcRect/>
+          <a:blip r:embed="rId2"/>
           <a:stretch>
             <a:fillRect/>
           </a:stretch>
         </p:blipFill>
-        <p:spPr bwMode="auto">
+        <p:spPr>
           <a:xfrm>
-            <a:off x="566649" y="1944375"/>
-            <a:ext cx="8342274" cy="3564294"/>
+            <a:off x="234950" y="1852935"/>
+            <a:ext cx="8689833" cy="4037681"/>
           </a:xfrm>
           <a:prstGeom prst="rect">
             <a:avLst/>
           </a:prstGeom>
-          <a:noFill/>
-          <a:extLst>
-            <a:ext uri="{909E8E84-426E-40DD-AFC4-6F175D3DCCD1}">
-              <a14:hiddenFill xmlns:a14="http://schemas.microsoft.com/office/drawing/2010/main">
-                <a:solidFill>
-                  <a:srgbClr val="FFFFFF"/>
-                </a:solidFill>
-              </a14:hiddenFill>
-            </a:ext>
-          </a:extLst>
         </p:spPr>
       </p:pic>
     </p:spTree>
@@ -4325,7 +4303,7 @@
           <p:cNvPr id="2" name="Chỗ dành sẵn cho Số hiệu Bản chiếu 1">
             <a:extLst>
               <a:ext uri="{FF2B5EF4-FFF2-40B4-BE49-F238E27FC236}">
-                <a16:creationId xmlns:a16="http://schemas.microsoft.com/office/drawing/2014/main" id="{AB45CA53-5E9A-EF9C-6C37-93E6E99C5215}"/>
+                <a16:creationId xmlns:a16="http://schemas.microsoft.com/office/drawing/2014/main" id="{6BBD9765-3559-F3A3-FC4A-3B939FEDE880}"/>
               </a:ext>
             </a:extLst>
           </p:cNvPr>
@@ -4414,7 +4392,7 @@
           <p:cNvPr id="3" name="Tiêu đề 2">
             <a:extLst>
               <a:ext uri="{FF2B5EF4-FFF2-40B4-BE49-F238E27FC236}">
-                <a16:creationId xmlns:a16="http://schemas.microsoft.com/office/drawing/2014/main" id="{71D3E6B2-7839-1A09-E979-22E6D7FF8C87}"/>
+                <a16:creationId xmlns:a16="http://schemas.microsoft.com/office/drawing/2014/main" id="{81E9F0E2-9322-97CC-E80A-8A4EA22B6980}"/>
               </a:ext>
             </a:extLst>
           </p:cNvPr>
@@ -4432,8 +4410,37 @@
           <a:p>
             <a:r>
               <a:rPr lang="vi-VN" dirty="0"/>
-              <a:t>6. Giải thích về kỹ thuật OOP trong thiết kế</a:t>
-            </a:r>
+              <a:t>5. </a:t>
+            </a:r>
+            <a:r>
+              <a:rPr lang="vi-VN" dirty="0" err="1"/>
+              <a:t>Class</a:t>
+            </a:r>
+            <a:r>
+              <a:rPr lang="vi-VN" dirty="0"/>
+              <a:t> </a:t>
+            </a:r>
+            <a:r>
+              <a:rPr lang="vi-VN" dirty="0" err="1"/>
+              <a:t>diagram</a:t>
+            </a:r>
+            <a:r>
+              <a:rPr lang="vi-VN" dirty="0"/>
+              <a:t> cho </a:t>
+            </a:r>
+            <a:r>
+              <a:rPr lang="vi-VN" dirty="0" err="1"/>
+              <a:t>detailed</a:t>
+            </a:r>
+            <a:r>
+              <a:rPr lang="vi-VN" dirty="0"/>
+              <a:t> </a:t>
+            </a:r>
+            <a:r>
+              <a:rPr lang="vi-VN" dirty="0" err="1"/>
+              <a:t>package</a:t>
+            </a:r>
+            <a:endParaRPr lang="vi-VN" dirty="0"/>
           </a:p>
         </p:txBody>
       </p:sp>
@@ -4442,7 +4449,7 @@
           <p:cNvPr id="4" name="Chỗ dành sẵn cho Văn bản 3">
             <a:extLst>
               <a:ext uri="{FF2B5EF4-FFF2-40B4-BE49-F238E27FC236}">
-                <a16:creationId xmlns:a16="http://schemas.microsoft.com/office/drawing/2014/main" id="{26DC9650-9D7D-D00C-2408-E65E54E80761}"/>
+                <a16:creationId xmlns:a16="http://schemas.microsoft.com/office/drawing/2014/main" id="{1BF690AE-D535-EF12-FC9F-87B0B90E8264}"/>
               </a:ext>
             </a:extLst>
           </p:cNvPr>
@@ -4453,19 +4460,78 @@
             <p:ph type="body" sz="quarter" idx="13"/>
           </p:nvPr>
         </p:nvSpPr>
-        <p:spPr/>
+        <p:spPr>
+          <a:xfrm>
+            <a:off x="234950" y="963168"/>
+            <a:ext cx="8674100" cy="548391"/>
+          </a:xfrm>
+        </p:spPr>
         <p:txBody>
           <a:bodyPr/>
           <a:lstStyle/>
           <a:p>
-            <a:endParaRPr lang="vi-VN"/>
-          </a:p>
-        </p:txBody>
-      </p:sp>
+            <a:pPr marL="0" indent="0">
+              <a:buNone/>
+            </a:pPr>
+            <a:r>
+              <a:rPr lang="vi-VN" dirty="0"/>
+              <a:t>5.4 </a:t>
+            </a:r>
+            <a:r>
+              <a:rPr lang="vi-VN" dirty="0" err="1"/>
+              <a:t>Module</a:t>
+            </a:r>
+            <a:r>
+              <a:rPr lang="vi-VN" dirty="0"/>
+              <a:t> </a:t>
+            </a:r>
+            <a:r>
+              <a:rPr lang="vi-VN" dirty="0" err="1"/>
+              <a:t>class</a:t>
+            </a:r>
+            <a:r>
+              <a:rPr lang="vi-VN" dirty="0"/>
+              <a:t> </a:t>
+            </a:r>
+            <a:r>
+              <a:rPr lang="vi-VN" dirty="0" err="1"/>
+              <a:t>diagram</a:t>
+            </a:r>
+            <a:r>
+              <a:rPr lang="vi-VN" dirty="0"/>
+              <a:t> </a:t>
+            </a:r>
+          </a:p>
+        </p:txBody>
+      </p:sp>
+      <p:pic>
+        <p:nvPicPr>
+          <p:cNvPr id="6" name="Picture 5"/>
+          <p:cNvPicPr>
+            <a:picLocks noChangeAspect="1"/>
+          </p:cNvPicPr>
+          <p:nvPr/>
+        </p:nvPicPr>
+        <p:blipFill>
+          <a:blip r:embed="rId2"/>
+          <a:stretch>
+            <a:fillRect/>
+          </a:stretch>
+        </p:blipFill>
+        <p:spPr>
+          <a:xfrm>
+            <a:off x="457200" y="1511559"/>
+            <a:ext cx="8229600" cy="4627751"/>
+          </a:xfrm>
+          <a:prstGeom prst="rect">
+            <a:avLst/>
+          </a:prstGeom>
+        </p:spPr>
+      </p:pic>
     </p:spTree>
     <p:extLst>
       <p:ext uri="{BB962C8B-B14F-4D97-AF65-F5344CB8AC3E}">
-        <p14:creationId xmlns:p14="http://schemas.microsoft.com/office/powerpoint/2010/main" val="1449625983"/>
+        <p14:creationId xmlns:p14="http://schemas.microsoft.com/office/powerpoint/2010/main" val="4006611690"/>
       </p:ext>
     </p:extLst>
   </p:cSld>
@@ -4637,7 +4703,7 @@
     </p:spTree>
     <p:extLst>
       <p:ext uri="{BB962C8B-B14F-4D97-AF65-F5344CB8AC3E}">
-        <p14:creationId xmlns:p14="http://schemas.microsoft.com/office/powerpoint/2010/main" val="2344912227"/>
+        <p14:creationId xmlns:p14="http://schemas.microsoft.com/office/powerpoint/2010/main" val="1449625983"/>
       </p:ext>
     </p:extLst>
   </p:cSld>
@@ -4669,7 +4735,7 @@
           <p:cNvPr id="2" name="Chỗ dành sẵn cho Số hiệu Bản chiếu 1">
             <a:extLst>
               <a:ext uri="{FF2B5EF4-FFF2-40B4-BE49-F238E27FC236}">
-                <a16:creationId xmlns:a16="http://schemas.microsoft.com/office/drawing/2014/main" id="{EE95F5DC-CF1C-F8B5-6375-FB31CCE67D68}"/>
+                <a16:creationId xmlns:a16="http://schemas.microsoft.com/office/drawing/2014/main" id="{AB45CA53-5E9A-EF9C-6C37-93E6E99C5215}"/>
               </a:ext>
             </a:extLst>
           </p:cNvPr>
@@ -4685,12 +4751,71 @@
           <a:bodyPr/>
           <a:lstStyle/>
           <a:p>
+            <a:pPr marL="0" marR="0" lvl="0" indent="0" algn="r" defTabSz="457200" rtl="0" eaLnBrk="1" fontAlgn="auto" latinLnBrk="0" hangingPunct="1">
+              <a:lnSpc>
+                <a:spcPct val="100000"/>
+              </a:lnSpc>
+              <a:spcBef>
+                <a:spcPts val="0"/>
+              </a:spcBef>
+              <a:spcAft>
+                <a:spcPts val="0"/>
+              </a:spcAft>
+              <a:buClrTx/>
+              <a:buSzTx/>
+              <a:buFontTx/>
+              <a:buNone/>
+              <a:tabLst/>
+              <a:defRPr/>
+            </a:pPr>
             <a:fld id="{9EA0BE3B-158A-4EDF-80DC-E394A0D1600F}" type="slidenum">
-              <a:rPr lang="en-US" smtClean="0"/>
-              <a:pPr/>
+              <a:rPr kumimoji="0" lang="en-US" sz="1200" b="1" i="0" u="none" strike="noStrike" kern="1200" cap="none" spc="0" normalizeH="0" baseline="0" noProof="0" smtClean="0">
+                <a:ln>
+                  <a:noFill/>
+                </a:ln>
+                <a:solidFill>
+                  <a:srgbClr val="C00000"/>
+                </a:solidFill>
+                <a:effectLst/>
+                <a:uLnTx/>
+                <a:uFillTx/>
+                <a:latin typeface="Lato" panose="020F0502020204030203" pitchFamily="34" charset="0"/>
+                <a:ea typeface="Lato" panose="020F0502020204030203" pitchFamily="34" charset="0"/>
+                <a:cs typeface="Lato" panose="020F0502020204030203" pitchFamily="34" charset="0"/>
+              </a:rPr>
+              <a:pPr marL="0" marR="0" lvl="0" indent="0" algn="r" defTabSz="457200" rtl="0" eaLnBrk="1" fontAlgn="auto" latinLnBrk="0" hangingPunct="1">
+                <a:lnSpc>
+                  <a:spcPct val="100000"/>
+                </a:lnSpc>
+                <a:spcBef>
+                  <a:spcPts val="0"/>
+                </a:spcBef>
+                <a:spcAft>
+                  <a:spcPts val="0"/>
+                </a:spcAft>
+                <a:buClrTx/>
+                <a:buSzTx/>
+                <a:buFontTx/>
+                <a:buNone/>
+                <a:tabLst/>
+                <a:defRPr/>
+              </a:pPr>
               <a:t>13</a:t>
             </a:fld>
-            <a:endParaRPr lang="en-US" dirty="0"/>
+            <a:endParaRPr kumimoji="0" lang="en-US" sz="1200" b="1" i="0" u="none" strike="noStrike" kern="1200" cap="none" spc="0" normalizeH="0" baseline="0" noProof="0" dirty="0">
+              <a:ln>
+                <a:noFill/>
+              </a:ln>
+              <a:solidFill>
+                <a:srgbClr val="C00000"/>
+              </a:solidFill>
+              <a:effectLst/>
+              <a:uLnTx/>
+              <a:uFillTx/>
+              <a:latin typeface="Lato" panose="020F0502020204030203" pitchFamily="34" charset="0"/>
+              <a:ea typeface="Lato" panose="020F0502020204030203" pitchFamily="34" charset="0"/>
+              <a:cs typeface="Lato" panose="020F0502020204030203" pitchFamily="34" charset="0"/>
+            </a:endParaRPr>
           </a:p>
         </p:txBody>
       </p:sp>
@@ -4699,7 +4824,7 @@
           <p:cNvPr id="3" name="Tiêu đề 2">
             <a:extLst>
               <a:ext uri="{FF2B5EF4-FFF2-40B4-BE49-F238E27FC236}">
-                <a16:creationId xmlns:a16="http://schemas.microsoft.com/office/drawing/2014/main" id="{F48731AD-F9B5-B18A-7D76-92CFF9E132F3}"/>
+                <a16:creationId xmlns:a16="http://schemas.microsoft.com/office/drawing/2014/main" id="{71D3E6B2-7839-1A09-E979-22E6D7FF8C87}"/>
               </a:ext>
             </a:extLst>
           </p:cNvPr>
@@ -4717,13 +4842,8 @@
           <a:p>
             <a:r>
               <a:rPr lang="vi-VN" dirty="0"/>
-              <a:t>7. </a:t>
-            </a:r>
-            <a:r>
-              <a:rPr lang="vi-VN" dirty="0" err="1"/>
-              <a:t>Demo</a:t>
-            </a:r>
-            <a:endParaRPr lang="vi-VN" dirty="0"/>
+              <a:t>6. Giải thích về kỹ thuật OOP trong thiết kế</a:t>
+            </a:r>
           </a:p>
         </p:txBody>
       </p:sp>
@@ -4732,7 +4852,7 @@
           <p:cNvPr id="4" name="Chỗ dành sẵn cho Văn bản 3">
             <a:extLst>
               <a:ext uri="{FF2B5EF4-FFF2-40B4-BE49-F238E27FC236}">
-                <a16:creationId xmlns:a16="http://schemas.microsoft.com/office/drawing/2014/main" id="{F1F6CE45-2893-33C9-8A0D-6F99E7731F83}"/>
+                <a16:creationId xmlns:a16="http://schemas.microsoft.com/office/drawing/2014/main" id="{26DC9650-9D7D-D00C-2408-E65E54E80761}"/>
               </a:ext>
             </a:extLst>
           </p:cNvPr>
@@ -4755,7 +4875,7 @@
     </p:spTree>
     <p:extLst>
       <p:ext uri="{BB962C8B-B14F-4D97-AF65-F5344CB8AC3E}">
-        <p14:creationId xmlns:p14="http://schemas.microsoft.com/office/powerpoint/2010/main" val="1011043888"/>
+        <p14:creationId xmlns:p14="http://schemas.microsoft.com/office/powerpoint/2010/main" val="2344912227"/>
       </p:ext>
     </p:extLst>
   </p:cSld>
@@ -4784,10 +4904,10 @@
       </p:grpSpPr>
       <p:sp>
         <p:nvSpPr>
-          <p:cNvPr id="2" name="Slide Number Placeholder 1">
-            <a:extLst>
-              <a:ext uri="{FF2B5EF4-FFF2-40B4-BE49-F238E27FC236}">
-                <a16:creationId xmlns:a16="http://schemas.microsoft.com/office/drawing/2014/main" id="{DA37B5C8-2095-4D2D-97FE-E4E8D89379E1}"/>
+          <p:cNvPr id="2" name="Chỗ dành sẵn cho Số hiệu Bản chiếu 1">
+            <a:extLst>
+              <a:ext uri="{FF2B5EF4-FFF2-40B4-BE49-F238E27FC236}">
+                <a16:creationId xmlns:a16="http://schemas.microsoft.com/office/drawing/2014/main" id="{EE95F5DC-CF1C-F8B5-6375-FB31CCE67D68}"/>
               </a:ext>
             </a:extLst>
           </p:cNvPr>
@@ -4807,6 +4927,124 @@
               <a:rPr lang="en-US" smtClean="0"/>
               <a:pPr/>
               <a:t>14</a:t>
+            </a:fld>
+            <a:endParaRPr lang="en-US" dirty="0"/>
+          </a:p>
+        </p:txBody>
+      </p:sp>
+      <p:sp>
+        <p:nvSpPr>
+          <p:cNvPr id="3" name="Tiêu đề 2">
+            <a:extLst>
+              <a:ext uri="{FF2B5EF4-FFF2-40B4-BE49-F238E27FC236}">
+                <a16:creationId xmlns:a16="http://schemas.microsoft.com/office/drawing/2014/main" id="{F48731AD-F9B5-B18A-7D76-92CFF9E132F3}"/>
+              </a:ext>
+            </a:extLst>
+          </p:cNvPr>
+          <p:cNvSpPr>
+            <a:spLocks noGrp="1"/>
+          </p:cNvSpPr>
+          <p:nvPr>
+            <p:ph type="title"/>
+          </p:nvPr>
+        </p:nvSpPr>
+        <p:spPr/>
+        <p:txBody>
+          <a:bodyPr/>
+          <a:lstStyle/>
+          <a:p>
+            <a:r>
+              <a:rPr lang="vi-VN" dirty="0"/>
+              <a:t>7. </a:t>
+            </a:r>
+            <a:r>
+              <a:rPr lang="vi-VN" dirty="0" err="1"/>
+              <a:t>Demo</a:t>
+            </a:r>
+            <a:endParaRPr lang="vi-VN" dirty="0"/>
+          </a:p>
+        </p:txBody>
+      </p:sp>
+      <p:sp>
+        <p:nvSpPr>
+          <p:cNvPr id="4" name="Chỗ dành sẵn cho Văn bản 3">
+            <a:extLst>
+              <a:ext uri="{FF2B5EF4-FFF2-40B4-BE49-F238E27FC236}">
+                <a16:creationId xmlns:a16="http://schemas.microsoft.com/office/drawing/2014/main" id="{F1F6CE45-2893-33C9-8A0D-6F99E7731F83}"/>
+              </a:ext>
+            </a:extLst>
+          </p:cNvPr>
+          <p:cNvSpPr>
+            <a:spLocks noGrp="1"/>
+          </p:cNvSpPr>
+          <p:nvPr>
+            <p:ph type="body" sz="quarter" idx="13"/>
+          </p:nvPr>
+        </p:nvSpPr>
+        <p:spPr/>
+        <p:txBody>
+          <a:bodyPr/>
+          <a:lstStyle/>
+          <a:p>
+            <a:endParaRPr lang="vi-VN"/>
+          </a:p>
+        </p:txBody>
+      </p:sp>
+    </p:spTree>
+    <p:extLst>
+      <p:ext uri="{BB962C8B-B14F-4D97-AF65-F5344CB8AC3E}">
+        <p14:creationId xmlns:p14="http://schemas.microsoft.com/office/powerpoint/2010/main" val="1011043888"/>
+      </p:ext>
+    </p:extLst>
+  </p:cSld>
+  <p:clrMapOvr>
+    <a:masterClrMapping/>
+  </p:clrMapOvr>
+</p:sld>
+</file>
+
+<file path=ppt/slides/slide15.xml><?xml version="1.0" encoding="utf-8"?>
+<p:sld xmlns:a="http://schemas.openxmlformats.org/drawingml/2006/main" xmlns:r="http://schemas.openxmlformats.org/officeDocument/2006/relationships" xmlns:p="http://schemas.openxmlformats.org/presentationml/2006/main">
+  <p:cSld>
+    <p:spTree>
+      <p:nvGrpSpPr>
+        <p:cNvPr id="1" name=""/>
+        <p:cNvGrpSpPr/>
+        <p:nvPr/>
+      </p:nvGrpSpPr>
+      <p:grpSpPr>
+        <a:xfrm>
+          <a:off x="0" y="0"/>
+          <a:ext cx="0" cy="0"/>
+          <a:chOff x="0" y="0"/>
+          <a:chExt cx="0" cy="0"/>
+        </a:xfrm>
+      </p:grpSpPr>
+      <p:sp>
+        <p:nvSpPr>
+          <p:cNvPr id="2" name="Slide Number Placeholder 1">
+            <a:extLst>
+              <a:ext uri="{FF2B5EF4-FFF2-40B4-BE49-F238E27FC236}">
+                <a16:creationId xmlns:a16="http://schemas.microsoft.com/office/drawing/2014/main" id="{DA37B5C8-2095-4D2D-97FE-E4E8D89379E1}"/>
+              </a:ext>
+            </a:extLst>
+          </p:cNvPr>
+          <p:cNvSpPr>
+            <a:spLocks noGrp="1"/>
+          </p:cNvSpPr>
+          <p:nvPr>
+            <p:ph type="sldNum" sz="quarter" idx="12"/>
+          </p:nvPr>
+        </p:nvSpPr>
+        <p:spPr/>
+        <p:txBody>
+          <a:bodyPr/>
+          <a:lstStyle/>
+          <a:p>
+            <a:fld id="{9EA0BE3B-158A-4EDF-80DC-E394A0D1600F}" type="slidenum">
+              <a:rPr lang="en-US" smtClean="0"/>
+              <a:pPr/>
+              <a:t>15</a:t>
             </a:fld>
             <a:endParaRPr lang="en-US" dirty="0"/>
           </a:p>
@@ -4909,7 +5147,7 @@
           <p:nvPr/>
         </p:nvPicPr>
         <p:blipFill>
-          <a:blip r:embed="rId2">
+          <a:blip r:embed="rId2" cstate="hqprint">
             <a:extLst>
               <a:ext uri="{28A0092B-C50C-407E-A947-70E740481C1C}">
                 <a14:useLocalDpi xmlns:a14="http://schemas.microsoft.com/office/drawing/2010/main" val="0"/>
@@ -6375,7 +6613,7 @@
           <p:nvPr/>
         </p:nvPicPr>
         <p:blipFill>
-          <a:blip r:embed="rId2">
+          <a:blip r:embed="rId2" cstate="hqprint">
             <a:extLst>
               <a:ext uri="{28A0092B-C50C-407E-A947-70E740481C1C}">
                 <a14:useLocalDpi xmlns:a14="http://schemas.microsoft.com/office/drawing/2010/main" val="0"/>
@@ -7804,17 +8042,6 @@
 </file>
 
 <file path=customXml/item1.xml><?xml version="1.0" encoding="utf-8"?>
-<p:properties xmlns:p="http://schemas.microsoft.com/office/2006/metadata/properties" xmlns:xsi="http://www.w3.org/2001/XMLSchema-instance" xmlns:pc="http://schemas.microsoft.com/office/infopath/2007/PartnerControls">
-  <documentManagement>
-    <TaxCatchAll xmlns="b59b9ac8-1f21-4b70-ad3d-cae3c32c2216" xsi:nil="true"/>
-    <lcf76f155ced4ddcb4097134ff3c332f xmlns="a091180a-d632-405d-bebf-d7ece79babe9">
-      <Terms xmlns="http://schemas.microsoft.com/office/infopath/2007/PartnerControls"/>
-    </lcf76f155ced4ddcb4097134ff3c332f>
-  </documentManagement>
-</p:properties>
-</file>
-
-<file path=customXml/item2.xml><?xml version="1.0" encoding="utf-8"?>
 <ct:contentTypeSchema xmlns:ct="http://schemas.microsoft.com/office/2006/metadata/contentType" xmlns:ma="http://schemas.microsoft.com/office/2006/metadata/properties/metaAttributes" ct:_="" ma:_="" ma:contentTypeName="Document" ma:contentTypeID="0x010100D23CE91256A96844AC1A74847DE15B6B" ma:contentTypeVersion="9" ma:contentTypeDescription="Create a new document." ma:contentTypeScope="" ma:versionID="b5b12393c2ffa52ea8d87a064588c416">
   <xsd:schema xmlns:xsd="http://www.w3.org/2001/XMLSchema" xmlns:xs="http://www.w3.org/2001/XMLSchema" xmlns:p="http://schemas.microsoft.com/office/2006/metadata/properties" xmlns:ns2="a091180a-d632-405d-bebf-d7ece79babe9" xmlns:ns3="b59b9ac8-1f21-4b70-ad3d-cae3c32c2216" targetNamespace="http://schemas.microsoft.com/office/2006/metadata/properties" ma:root="true" ma:fieldsID="5f67bcb1250ce38b6cd2cca33f645c97" ns2:_="" ns3:_="">
     <xsd:import namespace="a091180a-d632-405d-bebf-d7ece79babe9"/>
@@ -7997,6 +8224,17 @@
 </ct:contentTypeSchema>
 </file>
 
+<file path=customXml/item2.xml><?xml version="1.0" encoding="utf-8"?>
+<p:properties xmlns:p="http://schemas.microsoft.com/office/2006/metadata/properties" xmlns:xsi="http://www.w3.org/2001/XMLSchema-instance" xmlns:pc="http://schemas.microsoft.com/office/infopath/2007/PartnerControls">
+  <documentManagement>
+    <TaxCatchAll xmlns="b59b9ac8-1f21-4b70-ad3d-cae3c32c2216" xsi:nil="true"/>
+    <lcf76f155ced4ddcb4097134ff3c332f xmlns="a091180a-d632-405d-bebf-d7ece79babe9">
+      <Terms xmlns="http://schemas.microsoft.com/office/infopath/2007/PartnerControls"/>
+    </lcf76f155ced4ddcb4097134ff3c332f>
+  </documentManagement>
+</p:properties>
+</file>
+
 <file path=customXml/item3.xml><?xml version="1.0" encoding="utf-8"?>
 <?mso-contentType ?>
 <FormTemplates xmlns="http://schemas.microsoft.com/sharepoint/v3/contenttype/forms">
@@ -8007,17 +8245,6 @@
 </file>
 
 <file path=customXml/itemProps1.xml><?xml version="1.0" encoding="utf-8"?>
-<ds:datastoreItem xmlns:ds="http://schemas.openxmlformats.org/officeDocument/2006/customXml" ds:itemID="{3C3F47CA-A1F4-4121-B34F-0280B34FF53C}">
-  <ds:schemaRefs>
-    <ds:schemaRef ds:uri="http://schemas.microsoft.com/office/2006/metadata/properties"/>
-    <ds:schemaRef ds:uri="http://schemas.microsoft.com/office/infopath/2007/PartnerControls"/>
-    <ds:schemaRef ds:uri="b59b9ac8-1f21-4b70-ad3d-cae3c32c2216"/>
-    <ds:schemaRef ds:uri="a091180a-d632-405d-bebf-d7ece79babe9"/>
-  </ds:schemaRefs>
-</ds:datastoreItem>
-</file>
-
-<file path=customXml/itemProps2.xml><?xml version="1.0" encoding="utf-8"?>
 <ds:datastoreItem xmlns:ds="http://schemas.openxmlformats.org/officeDocument/2006/customXml" ds:itemID="{E30FACAB-0F22-40A9-8191-1578847ADDA9}">
   <ds:schemaRefs>
     <ds:schemaRef ds:uri="http://schemas.microsoft.com/office/2006/metadata/contentType"/>
@@ -8036,6 +8263,17 @@
 </ds:datastoreItem>
 </file>
 
+<file path=customXml/itemProps2.xml><?xml version="1.0" encoding="utf-8"?>
+<ds:datastoreItem xmlns:ds="http://schemas.openxmlformats.org/officeDocument/2006/customXml" ds:itemID="{3C3F47CA-A1F4-4121-B34F-0280B34FF53C}">
+  <ds:schemaRefs>
+    <ds:schemaRef ds:uri="http://schemas.microsoft.com/office/2006/metadata/properties"/>
+    <ds:schemaRef ds:uri="http://schemas.microsoft.com/office/infopath/2007/PartnerControls"/>
+    <ds:schemaRef ds:uri="b59b9ac8-1f21-4b70-ad3d-cae3c32c2216"/>
+    <ds:schemaRef ds:uri="a091180a-d632-405d-bebf-d7ece79babe9"/>
+  </ds:schemaRefs>
+</ds:datastoreItem>
+</file>
+
 <file path=customXml/itemProps3.xml><?xml version="1.0" encoding="utf-8"?>
 <ds:datastoreItem xmlns:ds="http://schemas.openxmlformats.org/officeDocument/2006/customXml" ds:itemID="{DEFC7E52-FBA5-45E0-A378-1A9AC6488E2E}">
   <ds:schemaRefs>

--- a/Presentation/OOP_Project.pptx
+++ b/Presentation/OOP_Project.pptx
@@ -2,30 +2,28 @@
 <file path=ppt/presentation.xml><?xml version="1.0" encoding="utf-8"?>
 <p:presentation xmlns:a="http://schemas.openxmlformats.org/drawingml/2006/main" xmlns:r="http://schemas.openxmlformats.org/officeDocument/2006/relationships" xmlns:p="http://schemas.openxmlformats.org/presentationml/2006/main" saveSubsetFonts="1">
   <p:sldMasterIdLst>
-    <p:sldMasterId id="2147483658" r:id="rId4"/>
+    <p:sldMasterId id="2147483658" r:id="rId1"/>
   </p:sldMasterIdLst>
   <p:notesMasterIdLst>
-    <p:notesMasterId r:id="rId20"/>
+    <p:notesMasterId r:id="rId15"/>
   </p:notesMasterIdLst>
   <p:handoutMasterIdLst>
-    <p:handoutMasterId r:id="rId21"/>
+    <p:handoutMasterId r:id="rId16"/>
   </p:handoutMasterIdLst>
   <p:sldIdLst>
-    <p:sldId id="275" r:id="rId5"/>
-    <p:sldId id="257" r:id="rId6"/>
-    <p:sldId id="265" r:id="rId7"/>
-    <p:sldId id="266" r:id="rId8"/>
-    <p:sldId id="271" r:id="rId9"/>
-    <p:sldId id="277" r:id="rId10"/>
-    <p:sldId id="278" r:id="rId11"/>
-    <p:sldId id="281" r:id="rId12"/>
-    <p:sldId id="283" r:id="rId13"/>
-    <p:sldId id="282" r:id="rId14"/>
-    <p:sldId id="288" r:id="rId15"/>
-    <p:sldId id="285" r:id="rId16"/>
-    <p:sldId id="284" r:id="rId17"/>
-    <p:sldId id="287" r:id="rId18"/>
-    <p:sldId id="269" r:id="rId19"/>
+    <p:sldId id="275" r:id="rId2"/>
+    <p:sldId id="257" r:id="rId3"/>
+    <p:sldId id="265" r:id="rId4"/>
+    <p:sldId id="266" r:id="rId5"/>
+    <p:sldId id="271" r:id="rId6"/>
+    <p:sldId id="277" r:id="rId7"/>
+    <p:sldId id="278" r:id="rId8"/>
+    <p:sldId id="281" r:id="rId9"/>
+    <p:sldId id="283" r:id="rId10"/>
+    <p:sldId id="288" r:id="rId11"/>
+    <p:sldId id="285" r:id="rId12"/>
+    <p:sldId id="287" r:id="rId13"/>
+    <p:sldId id="269" r:id="rId14"/>
   </p:sldIdLst>
   <p:sldSz cx="9144000" cy="6858000" type="screen4x3"/>
   <p:notesSz cx="6858000" cy="9144000"/>
@@ -132,67 +130,6 @@
 </p:presentation>
 </file>
 
-<file path=ppt/revisionInfo.xml><?xml version="1.0" encoding="utf-8"?>
-<p1510:revInfo xmlns:a="http://schemas.openxmlformats.org/drawingml/2006/main" xmlns:r="http://schemas.openxmlformats.org/officeDocument/2006/relationships" xmlns:p1510="http://schemas.microsoft.com/office/powerpoint/2015/10/main">
-  <p1510:revLst>
-    <p1510:client id="{0A4D8E80-C3FA-4DAF-B3E5-9D1195579AB6}" v="2" dt="2024-01-06T14:11:51.398"/>
-    <p1510:client id="{CBBC9219-7796-4667-A378-45E2D0384C1C}" v="5" dt="2024-01-06T14:12:25.840"/>
-  </p1510:revLst>
-</p1510:revInfo>
-</file>
-
-<file path=ppt/changesInfos/changesInfo1.xml><?xml version="1.0" encoding="utf-8"?>
-<pc:chgInfo xmlns:a="http://schemas.openxmlformats.org/drawingml/2006/main" xmlns:r="http://schemas.openxmlformats.org/officeDocument/2006/relationships" xmlns:ac="http://schemas.microsoft.com/office/drawing/2013/main/command" xmlns:pc="http://schemas.microsoft.com/office/powerpoint/2013/main/command">
-  <pc:docChgLst>
-    <pc:chgData name="Vu Duc Duy 20215018" userId="S::duy.vd215018@sis.hust.edu.vn::fed1e60a-d9da-4660-82a5-1ae695c9e6cd" providerId="AD" clId="Web-{CBBC9219-7796-4667-A378-45E2D0384C1C}"/>
-    <pc:docChg chg="modSld">
-      <pc:chgData name="Vu Duc Duy 20215018" userId="S::duy.vd215018@sis.hust.edu.vn::fed1e60a-d9da-4660-82a5-1ae695c9e6cd" providerId="AD" clId="Web-{CBBC9219-7796-4667-A378-45E2D0384C1C}" dt="2024-01-06T14:12:25.840" v="4" actId="1076"/>
-      <pc:docMkLst>
-        <pc:docMk/>
-      </pc:docMkLst>
-      <pc:sldChg chg="addSp modSp">
-        <pc:chgData name="Vu Duc Duy 20215018" userId="S::duy.vd215018@sis.hust.edu.vn::fed1e60a-d9da-4660-82a5-1ae695c9e6cd" providerId="AD" clId="Web-{CBBC9219-7796-4667-A378-45E2D0384C1C}" dt="2024-01-06T14:12:25.840" v="4" actId="1076"/>
-        <pc:sldMkLst>
-          <pc:docMk/>
-          <pc:sldMk cId="2377213168" sldId="283"/>
-        </pc:sldMkLst>
-        <pc:picChg chg="add mod">
-          <ac:chgData name="Vu Duc Duy 20215018" userId="S::duy.vd215018@sis.hust.edu.vn::fed1e60a-d9da-4660-82a5-1ae695c9e6cd" providerId="AD" clId="Web-{CBBC9219-7796-4667-A378-45E2D0384C1C}" dt="2024-01-06T14:12:25.840" v="4" actId="1076"/>
-          <ac:picMkLst>
-            <pc:docMk/>
-            <pc:sldMk cId="2377213168" sldId="283"/>
-            <ac:picMk id="5" creationId="{5EB40A7B-6C7C-B466-4E90-CDB7CE3491D8}"/>
-          </ac:picMkLst>
-        </pc:picChg>
-      </pc:sldChg>
-    </pc:docChg>
-  </pc:docChgLst>
-  <pc:docChgLst>
-    <pc:chgData name="Vu Duc Duy 20215018" userId="S::duy.vd215018@sis.hust.edu.vn::fed1e60a-d9da-4660-82a5-1ae695c9e6cd" providerId="AD" clId="Web-{0A4D8E80-C3FA-4DAF-B3E5-9D1195579AB6}"/>
-    <pc:docChg chg="delSld">
-      <pc:chgData name="Vu Duc Duy 20215018" userId="S::duy.vd215018@sis.hust.edu.vn::fed1e60a-d9da-4660-82a5-1ae695c9e6cd" providerId="AD" clId="Web-{0A4D8E80-C3FA-4DAF-B3E5-9D1195579AB6}" dt="2024-01-06T14:11:51.398" v="1"/>
-      <pc:docMkLst>
-        <pc:docMk/>
-      </pc:docMkLst>
-      <pc:sldChg chg="del">
-        <pc:chgData name="Vu Duc Duy 20215018" userId="S::duy.vd215018@sis.hust.edu.vn::fed1e60a-d9da-4660-82a5-1ae695c9e6cd" providerId="AD" clId="Web-{0A4D8E80-C3FA-4DAF-B3E5-9D1195579AB6}" dt="2024-01-06T14:11:51.398" v="1"/>
-        <pc:sldMkLst>
-          <pc:docMk/>
-          <pc:sldMk cId="2003424420" sldId="286"/>
-        </pc:sldMkLst>
-      </pc:sldChg>
-      <pc:sldChg chg="del">
-        <pc:chgData name="Vu Duc Duy 20215018" userId="S::duy.vd215018@sis.hust.edu.vn::fed1e60a-d9da-4660-82a5-1ae695c9e6cd" providerId="AD" clId="Web-{0A4D8E80-C3FA-4DAF-B3E5-9D1195579AB6}" dt="2024-01-06T14:11:47.163" v="0"/>
-        <pc:sldMkLst>
-          <pc:docMk/>
-          <pc:sldMk cId="3439365147" sldId="288"/>
-        </pc:sldMkLst>
-      </pc:sldChg>
-    </pc:docChg>
-  </pc:docChgLst>
-</pc:chgInfo>
-</file>
-
 <file path=ppt/handoutMasters/handoutMaster1.xml><?xml version="1.0" encoding="utf-8"?>
 <p:handoutMaster xmlns:a="http://schemas.openxmlformats.org/drawingml/2006/main" xmlns:r="http://schemas.openxmlformats.org/officeDocument/2006/relationships" xmlns:p="http://schemas.openxmlformats.org/presentationml/2006/main">
   <p:cSld>
@@ -287,7 +224,7 @@
           <a:p>
             <a:fld id="{48B45424-6BAC-416C-8F6C-5F9DE854A36B}" type="datetimeFigureOut">
               <a:rPr lang="en-US" smtClean="0"/>
-              <a:t>1/8/2024</a:t>
+              <a:t>1/13/2024</a:t>
             </a:fld>
             <a:endParaRPr lang="en-US"/>
           </a:p>
@@ -465,7 +402,7 @@
           <a:p>
             <a:fld id="{6B733702-C25A-40B9-9167-54BAA79B29B0}" type="datetimeFigureOut">
               <a:rPr lang="en-US" smtClean="0"/>
-              <a:t>1/8/2024</a:t>
+              <a:t>1/13/2024</a:t>
             </a:fld>
             <a:endParaRPr lang="en-US"/>
           </a:p>
@@ -853,7 +790,7 @@
             <a:fld id="{F70EAA40-3A53-4A3D-924A-D38F1059C7D5}" type="datetime1">
               <a:rPr lang="en-US" smtClean="0"/>
               <a:pPr/>
-              <a:t>1/8/2024</a:t>
+              <a:t>1/13/2024</a:t>
             </a:fld>
             <a:endParaRPr lang="en-US"/>
           </a:p>
@@ -1083,7 +1020,7 @@
             <a:fld id="{F70EAA40-3A53-4A3D-924A-D38F1059C7D5}" type="datetime1">
               <a:rPr lang="en-US" smtClean="0"/>
               <a:pPr/>
-              <a:t>1/8/2024</a:t>
+              <a:t>1/13/2024</a:t>
             </a:fld>
             <a:endParaRPr lang="en-US"/>
           </a:p>
@@ -1417,7 +1354,7 @@
             <a:fld id="{F70EAA40-3A53-4A3D-924A-D38F1059C7D5}" type="datetime1">
               <a:rPr lang="en-US" smtClean="0"/>
               <a:pPr/>
-              <a:t>1/8/2024</a:t>
+              <a:t>1/13/2024</a:t>
             </a:fld>
             <a:endParaRPr lang="en-US"/>
           </a:p>
@@ -1751,7 +1688,7 @@
             <a:fld id="{F70EAA40-3A53-4A3D-924A-D38F1059C7D5}" type="datetime1">
               <a:rPr lang="en-US" smtClean="0"/>
               <a:pPr/>
-              <a:t>1/8/2024</a:t>
+              <a:t>1/13/2024</a:t>
             </a:fld>
             <a:endParaRPr lang="en-US"/>
           </a:p>
@@ -2437,7 +2374,7 @@
             <a:fld id="{F70EAA40-3A53-4A3D-924A-D38F1059C7D5}" type="datetime1">
               <a:rPr lang="en-US" smtClean="0"/>
               <a:pPr/>
-              <a:t>1/8/2024</a:t>
+              <a:t>1/13/2024</a:t>
             </a:fld>
             <a:endParaRPr lang="en-US"/>
           </a:p>
@@ -2627,7 +2564,7 @@
             <a:fld id="{F70EAA40-3A53-4A3D-924A-D38F1059C7D5}" type="datetime1">
               <a:rPr lang="en-US" smtClean="0"/>
               <a:pPr/>
-              <a:t>1/8/2024</a:t>
+              <a:t>1/13/2024</a:t>
             </a:fld>
             <a:endParaRPr lang="en-US"/>
           </a:p>
@@ -3210,7 +3147,7 @@
             <a:fld id="{F70EAA40-3A53-4A3D-924A-D38F1059C7D5}" type="datetime1">
               <a:rPr lang="en-US" smtClean="0"/>
               <a:pPr/>
-              <a:t>1/8/2024</a:t>
+              <a:t>1/13/2024</a:t>
             </a:fld>
             <a:endParaRPr lang="en-US"/>
           </a:p>
@@ -3396,7 +3333,7 @@
             <a:fld id="{F70EAA40-3A53-4A3D-924A-D38F1059C7D5}" type="datetime1">
               <a:rPr lang="en-US" smtClean="0"/>
               <a:pPr/>
-              <a:t>1/8/2024</a:t>
+              <a:t>1/13/2024</a:t>
             </a:fld>
             <a:endParaRPr lang="en-US"/>
           </a:p>
@@ -4043,7 +3980,7 @@
           <p:cNvPr id="2" name="Chỗ dành sẵn cho Số hiệu Bản chiếu 1">
             <a:extLst>
               <a:ext uri="{FF2B5EF4-FFF2-40B4-BE49-F238E27FC236}">
-                <a16:creationId xmlns:a16="http://schemas.microsoft.com/office/drawing/2014/main" id="{6BBD9765-3559-F3A3-FC4A-3B939FEDE880}"/>
+                <a16:creationId xmlns:a16="http://schemas.microsoft.com/office/drawing/2014/main" id="{AC1DEE07-0DBD-2B22-9A16-5D71C8717547}"/>
               </a:ext>
             </a:extLst>
           </p:cNvPr>
@@ -4059,71 +3996,12 @@
           <a:bodyPr/>
           <a:lstStyle/>
           <a:p>
-            <a:pPr marL="0" marR="0" lvl="0" indent="0" algn="r" defTabSz="457200" rtl="0" eaLnBrk="1" fontAlgn="auto" latinLnBrk="0" hangingPunct="1">
-              <a:lnSpc>
-                <a:spcPct val="100000"/>
-              </a:lnSpc>
-              <a:spcBef>
-                <a:spcPts val="0"/>
-              </a:spcBef>
-              <a:spcAft>
-                <a:spcPts val="0"/>
-              </a:spcAft>
-              <a:buClrTx/>
-              <a:buSzTx/>
-              <a:buFontTx/>
-              <a:buNone/>
-              <a:tabLst/>
-              <a:defRPr/>
-            </a:pPr>
             <a:fld id="{9EA0BE3B-158A-4EDF-80DC-E394A0D1600F}" type="slidenum">
-              <a:rPr kumimoji="0" lang="en-US" sz="1200" b="1" i="0" u="none" strike="noStrike" kern="1200" cap="none" spc="0" normalizeH="0" baseline="0" noProof="0" smtClean="0">
-                <a:ln>
-                  <a:noFill/>
-                </a:ln>
-                <a:solidFill>
-                  <a:srgbClr val="C00000"/>
-                </a:solidFill>
-                <a:effectLst/>
-                <a:uLnTx/>
-                <a:uFillTx/>
-                <a:latin typeface="Lato" panose="020F0502020204030203" pitchFamily="34" charset="0"/>
-                <a:ea typeface="Lato" panose="020F0502020204030203" pitchFamily="34" charset="0"/>
-                <a:cs typeface="Lato" panose="020F0502020204030203" pitchFamily="34" charset="0"/>
-              </a:rPr>
-              <a:pPr marL="0" marR="0" lvl="0" indent="0" algn="r" defTabSz="457200" rtl="0" eaLnBrk="1" fontAlgn="auto" latinLnBrk="0" hangingPunct="1">
-                <a:lnSpc>
-                  <a:spcPct val="100000"/>
-                </a:lnSpc>
-                <a:spcBef>
-                  <a:spcPts val="0"/>
-                </a:spcBef>
-                <a:spcAft>
-                  <a:spcPts val="0"/>
-                </a:spcAft>
-                <a:buClrTx/>
-                <a:buSzTx/>
-                <a:buFontTx/>
-                <a:buNone/>
-                <a:tabLst/>
-                <a:defRPr/>
-              </a:pPr>
+              <a:rPr lang="en-US" smtClean="0"/>
+              <a:pPr/>
               <a:t>10</a:t>
             </a:fld>
-            <a:endParaRPr kumimoji="0" lang="en-US" sz="1200" b="1" i="0" u="none" strike="noStrike" kern="1200" cap="none" spc="0" normalizeH="0" baseline="0" noProof="0" dirty="0">
-              <a:ln>
-                <a:noFill/>
-              </a:ln>
-              <a:solidFill>
-                <a:srgbClr val="C00000"/>
-              </a:solidFill>
-              <a:effectLst/>
-              <a:uLnTx/>
-              <a:uFillTx/>
-              <a:latin typeface="Lato" panose="020F0502020204030203" pitchFamily="34" charset="0"/>
-              <a:ea typeface="Lato" panose="020F0502020204030203" pitchFamily="34" charset="0"/>
-              <a:cs typeface="Lato" panose="020F0502020204030203" pitchFamily="34" charset="0"/>
-            </a:endParaRPr>
+            <a:endParaRPr lang="en-US" dirty="0"/>
           </a:p>
         </p:txBody>
       </p:sp>
@@ -4132,7 +4010,7 @@
           <p:cNvPr id="3" name="Tiêu đề 2">
             <a:extLst>
               <a:ext uri="{FF2B5EF4-FFF2-40B4-BE49-F238E27FC236}">
-                <a16:creationId xmlns:a16="http://schemas.microsoft.com/office/drawing/2014/main" id="{81E9F0E2-9322-97CC-E80A-8A4EA22B6980}"/>
+                <a16:creationId xmlns:a16="http://schemas.microsoft.com/office/drawing/2014/main" id="{FE08982B-C486-1F92-9D66-DEE8F78BCE89}"/>
               </a:ext>
             </a:extLst>
           </p:cNvPr>
@@ -4184,69 +4062,15 @@
           </a:p>
         </p:txBody>
       </p:sp>
-      <p:sp>
-        <p:nvSpPr>
-          <p:cNvPr id="4" name="Chỗ dành sẵn cho Văn bản 3">
-            <a:extLst>
-              <a:ext uri="{FF2B5EF4-FFF2-40B4-BE49-F238E27FC236}">
-                <a16:creationId xmlns:a16="http://schemas.microsoft.com/office/drawing/2014/main" id="{1BF690AE-D535-EF12-FC9F-87B0B90E8264}"/>
-              </a:ext>
-            </a:extLst>
-          </p:cNvPr>
-          <p:cNvSpPr>
-            <a:spLocks noGrp="1"/>
-          </p:cNvSpPr>
-          <p:nvPr>
-            <p:ph type="body" sz="quarter" idx="13"/>
-          </p:nvPr>
-        </p:nvSpPr>
-        <p:spPr>
-          <a:xfrm>
-            <a:off x="234950" y="963168"/>
-            <a:ext cx="8674100" cy="548391"/>
-          </a:xfrm>
-        </p:spPr>
-        <p:txBody>
-          <a:bodyPr/>
-          <a:lstStyle/>
-          <a:p>
-            <a:pPr marL="0" indent="0">
-              <a:buNone/>
-            </a:pPr>
-            <a:r>
-              <a:rPr lang="vi-VN" dirty="0"/>
-              <a:t>5.4 </a:t>
-            </a:r>
-            <a:r>
-              <a:rPr lang="vi-VN" dirty="0" err="1"/>
-              <a:t>Module</a:t>
-            </a:r>
-            <a:r>
-              <a:rPr lang="vi-VN" dirty="0"/>
-              <a:t> </a:t>
-            </a:r>
-            <a:r>
-              <a:rPr lang="vi-VN" dirty="0" err="1"/>
-              <a:t>class</a:t>
-            </a:r>
-            <a:r>
-              <a:rPr lang="vi-VN" dirty="0"/>
-              <a:t> </a:t>
-            </a:r>
-            <a:r>
-              <a:rPr lang="vi-VN" dirty="0" err="1"/>
-              <a:t>diagram</a:t>
-            </a:r>
-            <a:r>
-              <a:rPr lang="vi-VN" dirty="0"/>
-              <a:t> </a:t>
-            </a:r>
-          </a:p>
-        </p:txBody>
-      </p:sp>
       <p:pic>
         <p:nvPicPr>
-          <p:cNvPr id="5" name="Picture 4"/>
+          <p:cNvPr id="6" name="Hình ảnh 5">
+            <a:extLst>
+              <a:ext uri="{FF2B5EF4-FFF2-40B4-BE49-F238E27FC236}">
+                <a16:creationId xmlns:a16="http://schemas.microsoft.com/office/drawing/2014/main" id="{AC1A052C-C2CB-8ECC-A8F9-597DF6E61877}"/>
+              </a:ext>
+            </a:extLst>
+          </p:cNvPr>
           <p:cNvPicPr>
             <a:picLocks noChangeAspect="1"/>
           </p:cNvPicPr>
@@ -4260,18 +4084,153 @@
         </p:blipFill>
         <p:spPr>
           <a:xfrm>
-            <a:off x="234950" y="1852935"/>
-            <a:ext cx="8689833" cy="4037681"/>
+            <a:off x="1609865" y="1365788"/>
+            <a:ext cx="6815680" cy="4946759"/>
           </a:xfrm>
           <a:prstGeom prst="rect">
             <a:avLst/>
           </a:prstGeom>
         </p:spPr>
       </p:pic>
+      <p:sp>
+        <p:nvSpPr>
+          <p:cNvPr id="7" name="Hộp Văn bản 6">
+            <a:extLst>
+              <a:ext uri="{FF2B5EF4-FFF2-40B4-BE49-F238E27FC236}">
+                <a16:creationId xmlns:a16="http://schemas.microsoft.com/office/drawing/2014/main" id="{0BC6F4FA-2C2E-5F03-FF16-121C7ACA9DA9}"/>
+              </a:ext>
+            </a:extLst>
+          </p:cNvPr>
+          <p:cNvSpPr txBox="1"/>
+          <p:nvPr/>
+        </p:nvSpPr>
+        <p:spPr>
+          <a:xfrm>
+            <a:off x="235077" y="849085"/>
+            <a:ext cx="7964040" cy="800219"/>
+          </a:xfrm>
+          <a:prstGeom prst="rect">
+            <a:avLst/>
+          </a:prstGeom>
+          <a:noFill/>
+        </p:spPr>
+        <p:txBody>
+          <a:bodyPr wrap="none" rtlCol="0">
+            <a:spAutoFit/>
+          </a:bodyPr>
+          <a:lstStyle/>
+          <a:p>
+            <a:r>
+              <a:rPr lang="vi-VN" sz="2800" dirty="0">
+                <a:latin typeface="Lato" panose="020F0502020204030203" pitchFamily="34" charset="0"/>
+                <a:ea typeface="Lato" panose="020F0502020204030203" pitchFamily="34" charset="0"/>
+                <a:cs typeface="Lato" panose="020F0502020204030203" pitchFamily="34" charset="0"/>
+              </a:rPr>
+              <a:t>5.3 </a:t>
+            </a:r>
+            <a:r>
+              <a:rPr lang="vi-VN" sz="2800" dirty="0" err="1">
+                <a:latin typeface="Lato" panose="020F0502020204030203" pitchFamily="34" charset="0"/>
+                <a:ea typeface="Lato" panose="020F0502020204030203" pitchFamily="34" charset="0"/>
+                <a:cs typeface="Lato" panose="020F0502020204030203" pitchFamily="34" charset="0"/>
+              </a:rPr>
+              <a:t>Class</a:t>
+            </a:r>
+            <a:r>
+              <a:rPr lang="vi-VN" sz="2800" dirty="0">
+                <a:latin typeface="Lato" panose="020F0502020204030203" pitchFamily="34" charset="0"/>
+                <a:ea typeface="Lato" panose="020F0502020204030203" pitchFamily="34" charset="0"/>
+                <a:cs typeface="Lato" panose="020F0502020204030203" pitchFamily="34" charset="0"/>
+              </a:rPr>
+              <a:t> </a:t>
+            </a:r>
+            <a:r>
+              <a:rPr lang="vi-VN" sz="2800" dirty="0" err="1">
+                <a:latin typeface="Lato" panose="020F0502020204030203" pitchFamily="34" charset="0"/>
+                <a:ea typeface="Lato" panose="020F0502020204030203" pitchFamily="34" charset="0"/>
+                <a:cs typeface="Lato" panose="020F0502020204030203" pitchFamily="34" charset="0"/>
+              </a:rPr>
+              <a:t>diagram</a:t>
+            </a:r>
+            <a:r>
+              <a:rPr lang="vi-VN" sz="2800" dirty="0">
+                <a:latin typeface="Lato" panose="020F0502020204030203" pitchFamily="34" charset="0"/>
+                <a:ea typeface="Lato" panose="020F0502020204030203" pitchFamily="34" charset="0"/>
+                <a:cs typeface="Lato" panose="020F0502020204030203" pitchFamily="34" charset="0"/>
+              </a:rPr>
+              <a:t> cho </a:t>
+            </a:r>
+            <a:r>
+              <a:rPr lang="vi-VN" sz="2800" dirty="0" err="1">
+                <a:latin typeface="Lato" panose="020F0502020204030203" pitchFamily="34" charset="0"/>
+                <a:ea typeface="Lato" panose="020F0502020204030203" pitchFamily="34" charset="0"/>
+                <a:cs typeface="Lato" panose="020F0502020204030203" pitchFamily="34" charset="0"/>
+              </a:rPr>
+              <a:t>Model</a:t>
+            </a:r>
+            <a:r>
+              <a:rPr lang="vi-VN" sz="2800" dirty="0">
+                <a:latin typeface="Lato" panose="020F0502020204030203" pitchFamily="34" charset="0"/>
+                <a:ea typeface="Lato" panose="020F0502020204030203" pitchFamily="34" charset="0"/>
+                <a:cs typeface="Lato" panose="020F0502020204030203" pitchFamily="34" charset="0"/>
+              </a:rPr>
+              <a:t>, </a:t>
+            </a:r>
+            <a:r>
+              <a:rPr lang="vi-VN" sz="2800" dirty="0" err="1">
+                <a:latin typeface="Lato" panose="020F0502020204030203" pitchFamily="34" charset="0"/>
+                <a:ea typeface="Lato" panose="020F0502020204030203" pitchFamily="34" charset="0"/>
+                <a:cs typeface="Lato" panose="020F0502020204030203" pitchFamily="34" charset="0"/>
+              </a:rPr>
+              <a:t>View</a:t>
+            </a:r>
+            <a:r>
+              <a:rPr lang="vi-VN" sz="2800" dirty="0">
+                <a:latin typeface="Lato" panose="020F0502020204030203" pitchFamily="34" charset="0"/>
+                <a:ea typeface="Lato" panose="020F0502020204030203" pitchFamily="34" charset="0"/>
+                <a:cs typeface="Lato" panose="020F0502020204030203" pitchFamily="34" charset="0"/>
+              </a:rPr>
+              <a:t>, </a:t>
+            </a:r>
+            <a:r>
+              <a:rPr lang="vi-VN" sz="2800" dirty="0" err="1">
+                <a:latin typeface="Lato" panose="020F0502020204030203" pitchFamily="34" charset="0"/>
+                <a:ea typeface="Lato" panose="020F0502020204030203" pitchFamily="34" charset="0"/>
+                <a:cs typeface="Lato" panose="020F0502020204030203" pitchFamily="34" charset="0"/>
+              </a:rPr>
+              <a:t>Date</a:t>
+            </a:r>
+            <a:r>
+              <a:rPr lang="vi-VN" sz="2800" dirty="0">
+                <a:latin typeface="Lato" panose="020F0502020204030203" pitchFamily="34" charset="0"/>
+                <a:ea typeface="Lato" panose="020F0502020204030203" pitchFamily="34" charset="0"/>
+                <a:cs typeface="Lato" panose="020F0502020204030203" pitchFamily="34" charset="0"/>
+              </a:rPr>
+              <a:t> </a:t>
+            </a:r>
+            <a:r>
+              <a:rPr lang="vi-VN" sz="2800" dirty="0" err="1">
+                <a:latin typeface="Lato" panose="020F0502020204030203" pitchFamily="34" charset="0"/>
+                <a:ea typeface="Lato" panose="020F0502020204030203" pitchFamily="34" charset="0"/>
+                <a:cs typeface="Lato" panose="020F0502020204030203" pitchFamily="34" charset="0"/>
+              </a:rPr>
+              <a:t>package</a:t>
+            </a:r>
+            <a:endParaRPr lang="vi-VN" sz="2800" dirty="0">
+              <a:latin typeface="Lato" panose="020F0502020204030203" pitchFamily="34" charset="0"/>
+              <a:ea typeface="Lato" panose="020F0502020204030203" pitchFamily="34" charset="0"/>
+              <a:cs typeface="Lato" panose="020F0502020204030203" pitchFamily="34" charset="0"/>
+            </a:endParaRPr>
+          </a:p>
+          <a:p>
+            <a:endParaRPr lang="vi-VN" dirty="0"/>
+          </a:p>
+        </p:txBody>
+      </p:sp>
     </p:spTree>
     <p:extLst>
       <p:ext uri="{BB962C8B-B14F-4D97-AF65-F5344CB8AC3E}">
-        <p14:creationId xmlns:p14="http://schemas.microsoft.com/office/powerpoint/2010/main" val="309048471"/>
+        <p14:creationId xmlns:p14="http://schemas.microsoft.com/office/powerpoint/2010/main" val="3439365147"/>
       </p:ext>
     </p:extLst>
   </p:cSld>
@@ -4303,7 +4262,7 @@
           <p:cNvPr id="2" name="Chỗ dành sẵn cho Số hiệu Bản chiếu 1">
             <a:extLst>
               <a:ext uri="{FF2B5EF4-FFF2-40B4-BE49-F238E27FC236}">
-                <a16:creationId xmlns:a16="http://schemas.microsoft.com/office/drawing/2014/main" id="{6BBD9765-3559-F3A3-FC4A-3B939FEDE880}"/>
+                <a16:creationId xmlns:a16="http://schemas.microsoft.com/office/drawing/2014/main" id="{AB45CA53-5E9A-EF9C-6C37-93E6E99C5215}"/>
               </a:ext>
             </a:extLst>
           </p:cNvPr>
@@ -4392,7 +4351,7 @@
           <p:cNvPr id="3" name="Tiêu đề 2">
             <a:extLst>
               <a:ext uri="{FF2B5EF4-FFF2-40B4-BE49-F238E27FC236}">
-                <a16:creationId xmlns:a16="http://schemas.microsoft.com/office/drawing/2014/main" id="{81E9F0E2-9322-97CC-E80A-8A4EA22B6980}"/>
+                <a16:creationId xmlns:a16="http://schemas.microsoft.com/office/drawing/2014/main" id="{71D3E6B2-7839-1A09-E979-22E6D7FF8C87}"/>
               </a:ext>
             </a:extLst>
           </p:cNvPr>
@@ -4410,37 +4369,8 @@
           <a:p>
             <a:r>
               <a:rPr lang="vi-VN" dirty="0"/>
-              <a:t>5. </a:t>
-            </a:r>
-            <a:r>
-              <a:rPr lang="vi-VN" dirty="0" err="1"/>
-              <a:t>Class</a:t>
-            </a:r>
-            <a:r>
-              <a:rPr lang="vi-VN" dirty="0"/>
-              <a:t> </a:t>
-            </a:r>
-            <a:r>
-              <a:rPr lang="vi-VN" dirty="0" err="1"/>
-              <a:t>diagram</a:t>
-            </a:r>
-            <a:r>
-              <a:rPr lang="vi-VN" dirty="0"/>
-              <a:t> cho </a:t>
-            </a:r>
-            <a:r>
-              <a:rPr lang="vi-VN" dirty="0" err="1"/>
-              <a:t>detailed</a:t>
-            </a:r>
-            <a:r>
-              <a:rPr lang="vi-VN" dirty="0"/>
-              <a:t> </a:t>
-            </a:r>
-            <a:r>
-              <a:rPr lang="vi-VN" dirty="0" err="1"/>
-              <a:t>package</a:t>
-            </a:r>
-            <a:endParaRPr lang="vi-VN" dirty="0"/>
+              <a:t>6. Giải thích về kỹ thuật OOP trong thiết kế</a:t>
+            </a:r>
           </a:p>
         </p:txBody>
       </p:sp>
@@ -4449,7 +4379,7 @@
           <p:cNvPr id="4" name="Chỗ dành sẵn cho Văn bản 3">
             <a:extLst>
               <a:ext uri="{FF2B5EF4-FFF2-40B4-BE49-F238E27FC236}">
-                <a16:creationId xmlns:a16="http://schemas.microsoft.com/office/drawing/2014/main" id="{1BF690AE-D535-EF12-FC9F-87B0B90E8264}"/>
+                <a16:creationId xmlns:a16="http://schemas.microsoft.com/office/drawing/2014/main" id="{26DC9650-9D7D-D00C-2408-E65E54E80761}"/>
               </a:ext>
             </a:extLst>
           </p:cNvPr>
@@ -4462,8 +4392,8 @@
         </p:nvSpPr>
         <p:spPr>
           <a:xfrm>
-            <a:off x="234950" y="963168"/>
-            <a:ext cx="8674100" cy="548391"/>
+            <a:off x="234696" y="1134727"/>
+            <a:ext cx="8674100" cy="4588546"/>
           </a:xfrm>
         </p:spPr>
         <p:txBody>
@@ -4475,11 +4405,11 @@
             </a:pPr>
             <a:r>
               <a:rPr lang="vi-VN" dirty="0"/>
-              <a:t>5.4 </a:t>
+              <a:t>Ở </a:t>
             </a:r>
             <a:r>
               <a:rPr lang="vi-VN" dirty="0" err="1"/>
-              <a:t>Module</a:t>
+              <a:t>virus</a:t>
             </a:r>
             <a:r>
               <a:rPr lang="vi-VN" dirty="0"/>
@@ -4487,51 +4417,180 @@
             </a:r>
             <a:r>
               <a:rPr lang="vi-VN" dirty="0" err="1"/>
-              <a:t>class</a:t>
+              <a:t>package</a:t>
             </a:r>
             <a:r>
               <a:rPr lang="vi-VN" dirty="0"/>
+              <a:t>:</a:t>
+            </a:r>
+          </a:p>
+          <a:p>
+            <a:r>
+              <a:rPr lang="vi-VN" sz="2400" dirty="0"/>
+              <a:t>Kế thừa:</a:t>
+            </a:r>
+          </a:p>
+          <a:p>
+            <a:pPr marL="0" indent="0">
+              <a:buNone/>
+            </a:pPr>
+            <a:r>
+              <a:rPr lang="vi-VN" sz="2000" dirty="0" err="1"/>
+              <a:t>GUI_Enveloped_Virus</a:t>
+            </a:r>
+            <a:r>
+              <a:rPr lang="vi-VN" sz="2000" dirty="0"/>
+              <a:t> và </a:t>
+            </a:r>
+            <a:r>
+              <a:rPr lang="vi-VN" sz="2000" dirty="0" err="1"/>
+              <a:t>GUI_Non_Enveloped_Virus</a:t>
+            </a:r>
+            <a:r>
+              <a:rPr lang="vi-VN" sz="2000" dirty="0"/>
+              <a:t> kế thừa lớp </a:t>
+            </a:r>
+            <a:r>
+              <a:rPr lang="vi-VN" sz="2000" dirty="0" err="1"/>
+              <a:t>abstract</a:t>
+            </a:r>
+            <a:r>
+              <a:rPr lang="vi-VN" sz="2000" dirty="0"/>
               <a:t> </a:t>
             </a:r>
             <a:r>
-              <a:rPr lang="vi-VN" dirty="0" err="1"/>
-              <a:t>diagram</a:t>
-            </a:r>
-            <a:r>
-              <a:rPr lang="vi-VN" dirty="0"/>
+              <a:rPr lang="vi-VN" sz="2000" dirty="0" err="1"/>
+              <a:t>GUI_Virus</a:t>
+            </a:r>
+            <a:r>
+              <a:rPr lang="vi-VN" sz="2000" dirty="0"/>
+              <a:t>.</a:t>
+            </a:r>
+          </a:p>
+          <a:p>
+            <a:r>
+              <a:rPr lang="vi-VN" sz="2400" dirty="0"/>
+              <a:t>Đa hình:</a:t>
+            </a:r>
+          </a:p>
+          <a:p>
+            <a:pPr marL="0" indent="0">
+              <a:buNone/>
+            </a:pPr>
+            <a:r>
+              <a:rPr lang="vi-VN" sz="2000" dirty="0"/>
+              <a:t>Ở mỗi loại </a:t>
+            </a:r>
+            <a:r>
+              <a:rPr lang="vi-VN" sz="2000" dirty="0" err="1"/>
+              <a:t>Virus</a:t>
+            </a:r>
+            <a:r>
+              <a:rPr lang="vi-VN" sz="2000" dirty="0"/>
+              <a:t>, khi gọi </a:t>
+            </a:r>
+            <a:r>
+              <a:rPr lang="vi-VN" sz="2000" dirty="0" err="1"/>
+              <a:t>method</a:t>
+            </a:r>
+            <a:r>
+              <a:rPr lang="vi-VN" sz="2000" dirty="0"/>
               <a:t> </a:t>
             </a:r>
-          </a:p>
-        </p:txBody>
-      </p:sp>
-      <p:pic>
-        <p:nvPicPr>
-          <p:cNvPr id="6" name="Picture 5"/>
-          <p:cNvPicPr>
-            <a:picLocks noChangeAspect="1"/>
-          </p:cNvPicPr>
-          <p:nvPr/>
-        </p:nvPicPr>
-        <p:blipFill>
-          <a:blip r:embed="rId2"/>
-          <a:stretch>
-            <a:fillRect/>
-          </a:stretch>
-        </p:blipFill>
-        <p:spPr>
-          <a:xfrm>
-            <a:off x="457200" y="1511559"/>
-            <a:ext cx="8229600" cy="4627751"/>
-          </a:xfrm>
-          <a:prstGeom prst="rect">
-            <a:avLst/>
-          </a:prstGeom>
-        </p:spPr>
-      </p:pic>
+            <a:r>
+              <a:rPr lang="vi-VN" sz="2000" dirty="0" err="1"/>
+              <a:t>toString</a:t>
+            </a:r>
+            <a:r>
+              <a:rPr lang="vi-VN" sz="2000" dirty="0"/>
+              <a:t>() thì sẽ trả về 1 </a:t>
+            </a:r>
+            <a:r>
+              <a:rPr lang="vi-VN" sz="2000" dirty="0" err="1"/>
+              <a:t>string</a:t>
+            </a:r>
+            <a:r>
+              <a:rPr lang="vi-VN" sz="2000" dirty="0"/>
+              <a:t> tùy thuộc vào loại </a:t>
+            </a:r>
+            <a:r>
+              <a:rPr lang="vi-VN" sz="2000" dirty="0" err="1"/>
+              <a:t>virus</a:t>
+            </a:r>
+            <a:r>
+              <a:rPr lang="vi-VN" sz="2000" dirty="0"/>
+              <a:t>.</a:t>
+            </a:r>
+          </a:p>
+          <a:p>
+            <a:r>
+              <a:rPr lang="vi-VN" sz="2400" dirty="0" err="1"/>
+              <a:t>Interface</a:t>
+            </a:r>
+            <a:r>
+              <a:rPr lang="vi-VN" sz="2400" dirty="0"/>
+              <a:t>:</a:t>
+            </a:r>
+          </a:p>
+          <a:p>
+            <a:pPr marL="0" indent="0">
+              <a:buNone/>
+            </a:pPr>
+            <a:r>
+              <a:rPr lang="vi-VN" sz="2000" dirty="0" err="1"/>
+              <a:t>Interface</a:t>
+            </a:r>
+            <a:r>
+              <a:rPr lang="vi-VN" sz="2000" dirty="0"/>
+              <a:t> </a:t>
+            </a:r>
+            <a:r>
+              <a:rPr lang="vi-VN" sz="2000" dirty="0" err="1"/>
+              <a:t>infection</a:t>
+            </a:r>
+            <a:r>
+              <a:rPr lang="vi-VN" sz="2000" dirty="0"/>
+              <a:t> được </a:t>
+            </a:r>
+            <a:r>
+              <a:rPr lang="vi-VN" sz="2000" dirty="0" err="1"/>
+              <a:t>implement</a:t>
+            </a:r>
+            <a:r>
+              <a:rPr lang="vi-VN" sz="2000" dirty="0"/>
+              <a:t> vào </a:t>
+            </a:r>
+            <a:r>
+              <a:rPr lang="vi-VN" sz="2000" dirty="0" err="1"/>
+              <a:t>GUI_Enveloped_Virus</a:t>
+            </a:r>
+            <a:r>
+              <a:rPr lang="vi-VN" sz="2000" dirty="0"/>
+              <a:t> và </a:t>
+            </a:r>
+            <a:r>
+              <a:rPr lang="vi-VN" sz="2000" dirty="0" err="1"/>
+              <a:t>GUI_Non_Enveloped_Virus</a:t>
+            </a:r>
+            <a:r>
+              <a:rPr lang="vi-VN" sz="2000" dirty="0"/>
+              <a:t> biểu hiện sự lây truyền của </a:t>
+            </a:r>
+            <a:r>
+              <a:rPr lang="vi-VN" sz="2000" dirty="0" err="1"/>
+              <a:t>virus</a:t>
+            </a:r>
+            <a:r>
+              <a:rPr lang="vi-VN" sz="2000" dirty="0"/>
+              <a:t>.</a:t>
+            </a:r>
+          </a:p>
+        </p:txBody>
+      </p:sp>
     </p:spTree>
     <p:extLst>
       <p:ext uri="{BB962C8B-B14F-4D97-AF65-F5344CB8AC3E}">
-        <p14:creationId xmlns:p14="http://schemas.microsoft.com/office/powerpoint/2010/main" val="4006611690"/>
+        <p14:creationId xmlns:p14="http://schemas.microsoft.com/office/powerpoint/2010/main" val="1449625983"/>
       </p:ext>
     </p:extLst>
   </p:cSld>
@@ -4563,7 +4622,7 @@
           <p:cNvPr id="2" name="Chỗ dành sẵn cho Số hiệu Bản chiếu 1">
             <a:extLst>
               <a:ext uri="{FF2B5EF4-FFF2-40B4-BE49-F238E27FC236}">
-                <a16:creationId xmlns:a16="http://schemas.microsoft.com/office/drawing/2014/main" id="{AB45CA53-5E9A-EF9C-6C37-93E6E99C5215}"/>
+                <a16:creationId xmlns:a16="http://schemas.microsoft.com/office/drawing/2014/main" id="{EE95F5DC-CF1C-F8B5-6375-FB31CCE67D68}"/>
               </a:ext>
             </a:extLst>
           </p:cNvPr>
@@ -4579,71 +4638,12 @@
           <a:bodyPr/>
           <a:lstStyle/>
           <a:p>
-            <a:pPr marL="0" marR="0" lvl="0" indent="0" algn="r" defTabSz="457200" rtl="0" eaLnBrk="1" fontAlgn="auto" latinLnBrk="0" hangingPunct="1">
-              <a:lnSpc>
-                <a:spcPct val="100000"/>
-              </a:lnSpc>
-              <a:spcBef>
-                <a:spcPts val="0"/>
-              </a:spcBef>
-              <a:spcAft>
-                <a:spcPts val="0"/>
-              </a:spcAft>
-              <a:buClrTx/>
-              <a:buSzTx/>
-              <a:buFontTx/>
-              <a:buNone/>
-              <a:tabLst/>
-              <a:defRPr/>
-            </a:pPr>
             <a:fld id="{9EA0BE3B-158A-4EDF-80DC-E394A0D1600F}" type="slidenum">
-              <a:rPr kumimoji="0" lang="en-US" sz="1200" b="1" i="0" u="none" strike="noStrike" kern="1200" cap="none" spc="0" normalizeH="0" baseline="0" noProof="0" smtClean="0">
-                <a:ln>
-                  <a:noFill/>
-                </a:ln>
-                <a:solidFill>
-                  <a:srgbClr val="C00000"/>
-                </a:solidFill>
-                <a:effectLst/>
-                <a:uLnTx/>
-                <a:uFillTx/>
-                <a:latin typeface="Lato" panose="020F0502020204030203" pitchFamily="34" charset="0"/>
-                <a:ea typeface="Lato" panose="020F0502020204030203" pitchFamily="34" charset="0"/>
-                <a:cs typeface="Lato" panose="020F0502020204030203" pitchFamily="34" charset="0"/>
-              </a:rPr>
-              <a:pPr marL="0" marR="0" lvl="0" indent="0" algn="r" defTabSz="457200" rtl="0" eaLnBrk="1" fontAlgn="auto" latinLnBrk="0" hangingPunct="1">
-                <a:lnSpc>
-                  <a:spcPct val="100000"/>
-                </a:lnSpc>
-                <a:spcBef>
-                  <a:spcPts val="0"/>
-                </a:spcBef>
-                <a:spcAft>
-                  <a:spcPts val="0"/>
-                </a:spcAft>
-                <a:buClrTx/>
-                <a:buSzTx/>
-                <a:buFontTx/>
-                <a:buNone/>
-                <a:tabLst/>
-                <a:defRPr/>
-              </a:pPr>
+              <a:rPr lang="en-US" smtClean="0"/>
+              <a:pPr/>
               <a:t>12</a:t>
             </a:fld>
-            <a:endParaRPr kumimoji="0" lang="en-US" sz="1200" b="1" i="0" u="none" strike="noStrike" kern="1200" cap="none" spc="0" normalizeH="0" baseline="0" noProof="0" dirty="0">
-              <a:ln>
-                <a:noFill/>
-              </a:ln>
-              <a:solidFill>
-                <a:srgbClr val="C00000"/>
-              </a:solidFill>
-              <a:effectLst/>
-              <a:uLnTx/>
-              <a:uFillTx/>
-              <a:latin typeface="Lato" panose="020F0502020204030203" pitchFamily="34" charset="0"/>
-              <a:ea typeface="Lato" panose="020F0502020204030203" pitchFamily="34" charset="0"/>
-              <a:cs typeface="Lato" panose="020F0502020204030203" pitchFamily="34" charset="0"/>
-            </a:endParaRPr>
+            <a:endParaRPr lang="en-US" dirty="0"/>
           </a:p>
         </p:txBody>
       </p:sp>
@@ -4652,7 +4652,7 @@
           <p:cNvPr id="3" name="Tiêu đề 2">
             <a:extLst>
               <a:ext uri="{FF2B5EF4-FFF2-40B4-BE49-F238E27FC236}">
-                <a16:creationId xmlns:a16="http://schemas.microsoft.com/office/drawing/2014/main" id="{71D3E6B2-7839-1A09-E979-22E6D7FF8C87}"/>
+                <a16:creationId xmlns:a16="http://schemas.microsoft.com/office/drawing/2014/main" id="{F48731AD-F9B5-B18A-7D76-92CFF9E132F3}"/>
               </a:ext>
             </a:extLst>
           </p:cNvPr>
@@ -4670,40 +4670,166 @@
           <a:p>
             <a:r>
               <a:rPr lang="vi-VN" dirty="0"/>
-              <a:t>6. Giải thích về kỹ thuật OOP trong thiết kế</a:t>
-            </a:r>
-          </a:p>
-        </p:txBody>
-      </p:sp>
-      <p:sp>
-        <p:nvSpPr>
-          <p:cNvPr id="4" name="Chỗ dành sẵn cho Văn bản 3">
-            <a:extLst>
-              <a:ext uri="{FF2B5EF4-FFF2-40B4-BE49-F238E27FC236}">
-                <a16:creationId xmlns:a16="http://schemas.microsoft.com/office/drawing/2014/main" id="{26DC9650-9D7D-D00C-2408-E65E54E80761}"/>
-              </a:ext>
-            </a:extLst>
-          </p:cNvPr>
-          <p:cNvSpPr>
-            <a:spLocks noGrp="1"/>
-          </p:cNvSpPr>
-          <p:nvPr>
-            <p:ph type="body" sz="quarter" idx="13"/>
-          </p:nvPr>
-        </p:nvSpPr>
-        <p:spPr/>
-        <p:txBody>
-          <a:bodyPr/>
+              <a:t>7. </a:t>
+            </a:r>
+            <a:r>
+              <a:rPr lang="vi-VN" dirty="0" err="1"/>
+              <a:t>Demo</a:t>
+            </a:r>
+            <a:endParaRPr lang="vi-VN" dirty="0"/>
+          </a:p>
+        </p:txBody>
+      </p:sp>
+      <p:pic>
+        <p:nvPicPr>
+          <p:cNvPr id="6" name="Hình ảnh 5">
+            <a:extLst>
+              <a:ext uri="{FF2B5EF4-FFF2-40B4-BE49-F238E27FC236}">
+                <a16:creationId xmlns:a16="http://schemas.microsoft.com/office/drawing/2014/main" id="{A1758790-B084-09A7-9F18-FBBFF46F5EB4}"/>
+              </a:ext>
+            </a:extLst>
+          </p:cNvPr>
+          <p:cNvPicPr>
+            <a:picLocks noChangeAspect="1"/>
+          </p:cNvPicPr>
+          <p:nvPr/>
+        </p:nvPicPr>
+        <p:blipFill>
+          <a:blip r:embed="rId2"/>
+          <a:stretch>
+            <a:fillRect/>
+          </a:stretch>
+        </p:blipFill>
+        <p:spPr>
+          <a:xfrm>
+            <a:off x="534657" y="1078481"/>
+            <a:ext cx="3874518" cy="2605136"/>
+          </a:xfrm>
+          <a:prstGeom prst="rect">
+            <a:avLst/>
+          </a:prstGeom>
+        </p:spPr>
+      </p:pic>
+      <p:pic>
+        <p:nvPicPr>
+          <p:cNvPr id="8" name="Hình ảnh 7">
+            <a:extLst>
+              <a:ext uri="{FF2B5EF4-FFF2-40B4-BE49-F238E27FC236}">
+                <a16:creationId xmlns:a16="http://schemas.microsoft.com/office/drawing/2014/main" id="{A29538AD-3990-A89F-0165-5B97F5310E79}"/>
+              </a:ext>
+            </a:extLst>
+          </p:cNvPr>
+          <p:cNvPicPr>
+            <a:picLocks noChangeAspect="1"/>
+          </p:cNvPicPr>
+          <p:nvPr/>
+        </p:nvPicPr>
+        <p:blipFill>
+          <a:blip r:embed="rId3"/>
+          <a:stretch>
+            <a:fillRect/>
+          </a:stretch>
+        </p:blipFill>
+        <p:spPr>
+          <a:xfrm>
+            <a:off x="4705800" y="1078481"/>
+            <a:ext cx="3903543" cy="2605136"/>
+          </a:xfrm>
+          <a:prstGeom prst="rect">
+            <a:avLst/>
+          </a:prstGeom>
+        </p:spPr>
+      </p:pic>
+      <p:sp>
+        <p:nvSpPr>
+          <p:cNvPr id="9" name="Hộp Văn bản 8">
+            <a:extLst>
+              <a:ext uri="{FF2B5EF4-FFF2-40B4-BE49-F238E27FC236}">
+                <a16:creationId xmlns:a16="http://schemas.microsoft.com/office/drawing/2014/main" id="{EE5BB1B9-C2E6-C383-A978-37F136B52CEB}"/>
+              </a:ext>
+            </a:extLst>
+          </p:cNvPr>
+          <p:cNvSpPr txBox="1"/>
+          <p:nvPr/>
+        </p:nvSpPr>
+        <p:spPr>
+          <a:xfrm>
+            <a:off x="2099388" y="4935894"/>
+            <a:ext cx="184731" cy="369332"/>
+          </a:xfrm>
+          <a:prstGeom prst="rect">
+            <a:avLst/>
+          </a:prstGeom>
+          <a:noFill/>
+        </p:spPr>
+        <p:txBody>
+          <a:bodyPr wrap="none" rtlCol="0">
+            <a:spAutoFit/>
+          </a:bodyPr>
           <a:lstStyle/>
           <a:p>
-            <a:endParaRPr lang="vi-VN"/>
+            <a:endParaRPr lang="vi-VN" dirty="0"/>
+          </a:p>
+        </p:txBody>
+      </p:sp>
+      <p:sp>
+        <p:nvSpPr>
+          <p:cNvPr id="10" name="Hộp Văn bản 9">
+            <a:extLst>
+              <a:ext uri="{FF2B5EF4-FFF2-40B4-BE49-F238E27FC236}">
+                <a16:creationId xmlns:a16="http://schemas.microsoft.com/office/drawing/2014/main" id="{753747C4-79A8-7BB9-3F85-8347CC5A5DD6}"/>
+              </a:ext>
+            </a:extLst>
+          </p:cNvPr>
+          <p:cNvSpPr txBox="1"/>
+          <p:nvPr/>
+        </p:nvSpPr>
+        <p:spPr>
+          <a:xfrm>
+            <a:off x="534657" y="4935894"/>
+            <a:ext cx="3003523" cy="369332"/>
+          </a:xfrm>
+          <a:prstGeom prst="rect">
+            <a:avLst/>
+          </a:prstGeom>
+          <a:noFill/>
+        </p:spPr>
+        <p:txBody>
+          <a:bodyPr wrap="square" rtlCol="0">
+            <a:spAutoFit/>
+          </a:bodyPr>
+          <a:lstStyle/>
+          <a:p>
+            <a:r>
+              <a:rPr lang="vi-VN" dirty="0" err="1"/>
+              <a:t>Link</a:t>
+            </a:r>
+            <a:r>
+              <a:rPr lang="vi-VN" dirty="0"/>
+              <a:t> </a:t>
+            </a:r>
+            <a:r>
+              <a:rPr lang="vi-VN" dirty="0" err="1"/>
+              <a:t>demo</a:t>
+            </a:r>
+            <a:r>
+              <a:rPr lang="vi-VN" dirty="0"/>
+              <a:t>:  </a:t>
+            </a:r>
+            <a:r>
+              <a:rPr lang="vi-VN" dirty="0" err="1">
+                <a:hlinkClick r:id="rId4"/>
+              </a:rPr>
+              <a:t>Demo</a:t>
+            </a:r>
+            <a:endParaRPr lang="vi-VN" dirty="0"/>
           </a:p>
         </p:txBody>
       </p:sp>
     </p:spTree>
     <p:extLst>
       <p:ext uri="{BB962C8B-B14F-4D97-AF65-F5344CB8AC3E}">
-        <p14:creationId xmlns:p14="http://schemas.microsoft.com/office/powerpoint/2010/main" val="1449625983"/>
+        <p14:creationId xmlns:p14="http://schemas.microsoft.com/office/powerpoint/2010/main" val="1011043888"/>
       </p:ext>
     </p:extLst>
   </p:cSld>
@@ -4732,10 +4858,10 @@
       </p:grpSpPr>
       <p:sp>
         <p:nvSpPr>
-          <p:cNvPr id="2" name="Chỗ dành sẵn cho Số hiệu Bản chiếu 1">
-            <a:extLst>
-              <a:ext uri="{FF2B5EF4-FFF2-40B4-BE49-F238E27FC236}">
-                <a16:creationId xmlns:a16="http://schemas.microsoft.com/office/drawing/2014/main" id="{AB45CA53-5E9A-EF9C-6C37-93E6E99C5215}"/>
+          <p:cNvPr id="2" name="Slide Number Placeholder 1">
+            <a:extLst>
+              <a:ext uri="{FF2B5EF4-FFF2-40B4-BE49-F238E27FC236}">
+                <a16:creationId xmlns:a16="http://schemas.microsoft.com/office/drawing/2014/main" id="{DA37B5C8-2095-4D2D-97FE-E4E8D89379E1}"/>
               </a:ext>
             </a:extLst>
           </p:cNvPr>
@@ -4751,300 +4877,10 @@
           <a:bodyPr/>
           <a:lstStyle/>
           <a:p>
-            <a:pPr marL="0" marR="0" lvl="0" indent="0" algn="r" defTabSz="457200" rtl="0" eaLnBrk="1" fontAlgn="auto" latinLnBrk="0" hangingPunct="1">
-              <a:lnSpc>
-                <a:spcPct val="100000"/>
-              </a:lnSpc>
-              <a:spcBef>
-                <a:spcPts val="0"/>
-              </a:spcBef>
-              <a:spcAft>
-                <a:spcPts val="0"/>
-              </a:spcAft>
-              <a:buClrTx/>
-              <a:buSzTx/>
-              <a:buFontTx/>
-              <a:buNone/>
-              <a:tabLst/>
-              <a:defRPr/>
-            </a:pPr>
-            <a:fld id="{9EA0BE3B-158A-4EDF-80DC-E394A0D1600F}" type="slidenum">
-              <a:rPr kumimoji="0" lang="en-US" sz="1200" b="1" i="0" u="none" strike="noStrike" kern="1200" cap="none" spc="0" normalizeH="0" baseline="0" noProof="0" smtClean="0">
-                <a:ln>
-                  <a:noFill/>
-                </a:ln>
-                <a:solidFill>
-                  <a:srgbClr val="C00000"/>
-                </a:solidFill>
-                <a:effectLst/>
-                <a:uLnTx/>
-                <a:uFillTx/>
-                <a:latin typeface="Lato" panose="020F0502020204030203" pitchFamily="34" charset="0"/>
-                <a:ea typeface="Lato" panose="020F0502020204030203" pitchFamily="34" charset="0"/>
-                <a:cs typeface="Lato" panose="020F0502020204030203" pitchFamily="34" charset="0"/>
-              </a:rPr>
-              <a:pPr marL="0" marR="0" lvl="0" indent="0" algn="r" defTabSz="457200" rtl="0" eaLnBrk="1" fontAlgn="auto" latinLnBrk="0" hangingPunct="1">
-                <a:lnSpc>
-                  <a:spcPct val="100000"/>
-                </a:lnSpc>
-                <a:spcBef>
-                  <a:spcPts val="0"/>
-                </a:spcBef>
-                <a:spcAft>
-                  <a:spcPts val="0"/>
-                </a:spcAft>
-                <a:buClrTx/>
-                <a:buSzTx/>
-                <a:buFontTx/>
-                <a:buNone/>
-                <a:tabLst/>
-                <a:defRPr/>
-              </a:pPr>
-              <a:t>13</a:t>
-            </a:fld>
-            <a:endParaRPr kumimoji="0" lang="en-US" sz="1200" b="1" i="0" u="none" strike="noStrike" kern="1200" cap="none" spc="0" normalizeH="0" baseline="0" noProof="0" dirty="0">
-              <a:ln>
-                <a:noFill/>
-              </a:ln>
-              <a:solidFill>
-                <a:srgbClr val="C00000"/>
-              </a:solidFill>
-              <a:effectLst/>
-              <a:uLnTx/>
-              <a:uFillTx/>
-              <a:latin typeface="Lato" panose="020F0502020204030203" pitchFamily="34" charset="0"/>
-              <a:ea typeface="Lato" panose="020F0502020204030203" pitchFamily="34" charset="0"/>
-              <a:cs typeface="Lato" panose="020F0502020204030203" pitchFamily="34" charset="0"/>
-            </a:endParaRPr>
-          </a:p>
-        </p:txBody>
-      </p:sp>
-      <p:sp>
-        <p:nvSpPr>
-          <p:cNvPr id="3" name="Tiêu đề 2">
-            <a:extLst>
-              <a:ext uri="{FF2B5EF4-FFF2-40B4-BE49-F238E27FC236}">
-                <a16:creationId xmlns:a16="http://schemas.microsoft.com/office/drawing/2014/main" id="{71D3E6B2-7839-1A09-E979-22E6D7FF8C87}"/>
-              </a:ext>
-            </a:extLst>
-          </p:cNvPr>
-          <p:cNvSpPr>
-            <a:spLocks noGrp="1"/>
-          </p:cNvSpPr>
-          <p:nvPr>
-            <p:ph type="title"/>
-          </p:nvPr>
-        </p:nvSpPr>
-        <p:spPr/>
-        <p:txBody>
-          <a:bodyPr/>
-          <a:lstStyle/>
-          <a:p>
-            <a:r>
-              <a:rPr lang="vi-VN" dirty="0"/>
-              <a:t>6. Giải thích về kỹ thuật OOP trong thiết kế</a:t>
-            </a:r>
-          </a:p>
-        </p:txBody>
-      </p:sp>
-      <p:sp>
-        <p:nvSpPr>
-          <p:cNvPr id="4" name="Chỗ dành sẵn cho Văn bản 3">
-            <a:extLst>
-              <a:ext uri="{FF2B5EF4-FFF2-40B4-BE49-F238E27FC236}">
-                <a16:creationId xmlns:a16="http://schemas.microsoft.com/office/drawing/2014/main" id="{26DC9650-9D7D-D00C-2408-E65E54E80761}"/>
-              </a:ext>
-            </a:extLst>
-          </p:cNvPr>
-          <p:cNvSpPr>
-            <a:spLocks noGrp="1"/>
-          </p:cNvSpPr>
-          <p:nvPr>
-            <p:ph type="body" sz="quarter" idx="13"/>
-          </p:nvPr>
-        </p:nvSpPr>
-        <p:spPr/>
-        <p:txBody>
-          <a:bodyPr/>
-          <a:lstStyle/>
-          <a:p>
-            <a:endParaRPr lang="vi-VN"/>
-          </a:p>
-        </p:txBody>
-      </p:sp>
-    </p:spTree>
-    <p:extLst>
-      <p:ext uri="{BB962C8B-B14F-4D97-AF65-F5344CB8AC3E}">
-        <p14:creationId xmlns:p14="http://schemas.microsoft.com/office/powerpoint/2010/main" val="2344912227"/>
-      </p:ext>
-    </p:extLst>
-  </p:cSld>
-  <p:clrMapOvr>
-    <a:masterClrMapping/>
-  </p:clrMapOvr>
-</p:sld>
-</file>
-
-<file path=ppt/slides/slide14.xml><?xml version="1.0" encoding="utf-8"?>
-<p:sld xmlns:a="http://schemas.openxmlformats.org/drawingml/2006/main" xmlns:r="http://schemas.openxmlformats.org/officeDocument/2006/relationships" xmlns:p="http://schemas.openxmlformats.org/presentationml/2006/main">
-  <p:cSld>
-    <p:spTree>
-      <p:nvGrpSpPr>
-        <p:cNvPr id="1" name=""/>
-        <p:cNvGrpSpPr/>
-        <p:nvPr/>
-      </p:nvGrpSpPr>
-      <p:grpSpPr>
-        <a:xfrm>
-          <a:off x="0" y="0"/>
-          <a:ext cx="0" cy="0"/>
-          <a:chOff x="0" y="0"/>
-          <a:chExt cx="0" cy="0"/>
-        </a:xfrm>
-      </p:grpSpPr>
-      <p:sp>
-        <p:nvSpPr>
-          <p:cNvPr id="2" name="Chỗ dành sẵn cho Số hiệu Bản chiếu 1">
-            <a:extLst>
-              <a:ext uri="{FF2B5EF4-FFF2-40B4-BE49-F238E27FC236}">
-                <a16:creationId xmlns:a16="http://schemas.microsoft.com/office/drawing/2014/main" id="{EE95F5DC-CF1C-F8B5-6375-FB31CCE67D68}"/>
-              </a:ext>
-            </a:extLst>
-          </p:cNvPr>
-          <p:cNvSpPr>
-            <a:spLocks noGrp="1"/>
-          </p:cNvSpPr>
-          <p:nvPr>
-            <p:ph type="sldNum" sz="quarter" idx="12"/>
-          </p:nvPr>
-        </p:nvSpPr>
-        <p:spPr/>
-        <p:txBody>
-          <a:bodyPr/>
-          <a:lstStyle/>
-          <a:p>
             <a:fld id="{9EA0BE3B-158A-4EDF-80DC-E394A0D1600F}" type="slidenum">
               <a:rPr lang="en-US" smtClean="0"/>
               <a:pPr/>
-              <a:t>14</a:t>
-            </a:fld>
-            <a:endParaRPr lang="en-US" dirty="0"/>
-          </a:p>
-        </p:txBody>
-      </p:sp>
-      <p:sp>
-        <p:nvSpPr>
-          <p:cNvPr id="3" name="Tiêu đề 2">
-            <a:extLst>
-              <a:ext uri="{FF2B5EF4-FFF2-40B4-BE49-F238E27FC236}">
-                <a16:creationId xmlns:a16="http://schemas.microsoft.com/office/drawing/2014/main" id="{F48731AD-F9B5-B18A-7D76-92CFF9E132F3}"/>
-              </a:ext>
-            </a:extLst>
-          </p:cNvPr>
-          <p:cNvSpPr>
-            <a:spLocks noGrp="1"/>
-          </p:cNvSpPr>
-          <p:nvPr>
-            <p:ph type="title"/>
-          </p:nvPr>
-        </p:nvSpPr>
-        <p:spPr/>
-        <p:txBody>
-          <a:bodyPr/>
-          <a:lstStyle/>
-          <a:p>
-            <a:r>
-              <a:rPr lang="vi-VN" dirty="0"/>
-              <a:t>7. </a:t>
-            </a:r>
-            <a:r>
-              <a:rPr lang="vi-VN" dirty="0" err="1"/>
-              <a:t>Demo</a:t>
-            </a:r>
-            <a:endParaRPr lang="vi-VN" dirty="0"/>
-          </a:p>
-        </p:txBody>
-      </p:sp>
-      <p:sp>
-        <p:nvSpPr>
-          <p:cNvPr id="4" name="Chỗ dành sẵn cho Văn bản 3">
-            <a:extLst>
-              <a:ext uri="{FF2B5EF4-FFF2-40B4-BE49-F238E27FC236}">
-                <a16:creationId xmlns:a16="http://schemas.microsoft.com/office/drawing/2014/main" id="{F1F6CE45-2893-33C9-8A0D-6F99E7731F83}"/>
-              </a:ext>
-            </a:extLst>
-          </p:cNvPr>
-          <p:cNvSpPr>
-            <a:spLocks noGrp="1"/>
-          </p:cNvSpPr>
-          <p:nvPr>
-            <p:ph type="body" sz="quarter" idx="13"/>
-          </p:nvPr>
-        </p:nvSpPr>
-        <p:spPr/>
-        <p:txBody>
-          <a:bodyPr/>
-          <a:lstStyle/>
-          <a:p>
-            <a:endParaRPr lang="vi-VN"/>
-          </a:p>
-        </p:txBody>
-      </p:sp>
-    </p:spTree>
-    <p:extLst>
-      <p:ext uri="{BB962C8B-B14F-4D97-AF65-F5344CB8AC3E}">
-        <p14:creationId xmlns:p14="http://schemas.microsoft.com/office/powerpoint/2010/main" val="1011043888"/>
-      </p:ext>
-    </p:extLst>
-  </p:cSld>
-  <p:clrMapOvr>
-    <a:masterClrMapping/>
-  </p:clrMapOvr>
-</p:sld>
-</file>
-
-<file path=ppt/slides/slide15.xml><?xml version="1.0" encoding="utf-8"?>
-<p:sld xmlns:a="http://schemas.openxmlformats.org/drawingml/2006/main" xmlns:r="http://schemas.openxmlformats.org/officeDocument/2006/relationships" xmlns:p="http://schemas.openxmlformats.org/presentationml/2006/main">
-  <p:cSld>
-    <p:spTree>
-      <p:nvGrpSpPr>
-        <p:cNvPr id="1" name=""/>
-        <p:cNvGrpSpPr/>
-        <p:nvPr/>
-      </p:nvGrpSpPr>
-      <p:grpSpPr>
-        <a:xfrm>
-          <a:off x="0" y="0"/>
-          <a:ext cx="0" cy="0"/>
-          <a:chOff x="0" y="0"/>
-          <a:chExt cx="0" cy="0"/>
-        </a:xfrm>
-      </p:grpSpPr>
-      <p:sp>
-        <p:nvSpPr>
-          <p:cNvPr id="2" name="Slide Number Placeholder 1">
-            <a:extLst>
-              <a:ext uri="{FF2B5EF4-FFF2-40B4-BE49-F238E27FC236}">
-                <a16:creationId xmlns:a16="http://schemas.microsoft.com/office/drawing/2014/main" id="{DA37B5C8-2095-4D2D-97FE-E4E8D89379E1}"/>
-              </a:ext>
-            </a:extLst>
-          </p:cNvPr>
-          <p:cNvSpPr>
-            <a:spLocks noGrp="1"/>
-          </p:cNvSpPr>
-          <p:nvPr>
-            <p:ph type="sldNum" sz="quarter" idx="12"/>
-          </p:nvPr>
-        </p:nvSpPr>
-        <p:spPr/>
-        <p:txBody>
-          <a:bodyPr/>
-          <a:lstStyle/>
-          <a:p>
-            <a:fld id="{9EA0BE3B-158A-4EDF-80DC-E394A0D1600F}" type="slidenum">
-              <a:rPr lang="en-US" smtClean="0"/>
-              <a:pPr/>
-              <a:t>15</a:t>
+              <a:t>13</a:t>
             </a:fld>
             <a:endParaRPr lang="en-US" dirty="0"/>
           </a:p>
@@ -5147,7 +4983,7 @@
           <p:nvPr/>
         </p:nvPicPr>
         <p:blipFill>
-          <a:blip r:embed="rId2" cstate="hqprint">
+          <a:blip r:embed="rId2">
             <a:extLst>
               <a:ext uri="{28A0092B-C50C-407E-A947-70E740481C1C}">
                 <a14:useLocalDpi xmlns:a14="http://schemas.microsoft.com/office/drawing/2010/main" val="0"/>
@@ -5751,31 +5587,36 @@
           </a:p>
         </p:txBody>
       </p:sp>
-      <p:sp>
-        <p:nvSpPr>
-          <p:cNvPr id="4" name="Text Placeholder 3">
-            <a:extLst>
-              <a:ext uri="{FF2B5EF4-FFF2-40B4-BE49-F238E27FC236}">
-                <a16:creationId xmlns:a16="http://schemas.microsoft.com/office/drawing/2014/main" id="{BC311219-8684-45FC-A126-E067924AC7F7}"/>
-              </a:ext>
-            </a:extLst>
-          </p:cNvPr>
-          <p:cNvSpPr>
-            <a:spLocks noGrp="1"/>
-          </p:cNvSpPr>
-          <p:nvPr>
-            <p:ph type="body" sz="quarter" idx="13"/>
-          </p:nvPr>
-        </p:nvSpPr>
-        <p:spPr/>
-        <p:txBody>
-          <a:bodyPr/>
-          <a:lstStyle/>
-          <a:p>
-            <a:endParaRPr lang="en-US" dirty="0"/>
-          </a:p>
-        </p:txBody>
-      </p:sp>
+      <p:pic>
+        <p:nvPicPr>
+          <p:cNvPr id="6" name="Hình ảnh 5">
+            <a:extLst>
+              <a:ext uri="{FF2B5EF4-FFF2-40B4-BE49-F238E27FC236}">
+                <a16:creationId xmlns:a16="http://schemas.microsoft.com/office/drawing/2014/main" id="{258B3691-675B-D0BB-41D2-8B2D8CEF0D2B}"/>
+              </a:ext>
+            </a:extLst>
+          </p:cNvPr>
+          <p:cNvPicPr>
+            <a:picLocks noChangeAspect="1"/>
+          </p:cNvPicPr>
+          <p:nvPr/>
+        </p:nvPicPr>
+        <p:blipFill>
+          <a:blip r:embed="rId2"/>
+          <a:stretch>
+            <a:fillRect/>
+          </a:stretch>
+        </p:blipFill>
+        <p:spPr>
+          <a:xfrm>
+            <a:off x="1944269" y="817369"/>
+            <a:ext cx="4923114" cy="5467739"/>
+          </a:xfrm>
+          <a:prstGeom prst="rect">
+            <a:avLst/>
+          </a:prstGeom>
+        </p:spPr>
+      </p:pic>
     </p:spTree>
     <p:extLst>
       <p:ext uri="{BB962C8B-B14F-4D97-AF65-F5344CB8AC3E}">
@@ -6600,10 +6441,10 @@
       </p:sp>
       <p:pic>
         <p:nvPicPr>
-          <p:cNvPr id="7" name="Hình ảnh 6" descr="Ảnh có chứa văn bản, biểu đồ, Kế hoạch, hàng&#10;&#10;Mô tả được tạo tự động">
-            <a:extLst>
-              <a:ext uri="{FF2B5EF4-FFF2-40B4-BE49-F238E27FC236}">
-                <a16:creationId xmlns:a16="http://schemas.microsoft.com/office/drawing/2014/main" id="{D9CFDB49-C7BC-B553-F3AC-858806C4F833}"/>
+          <p:cNvPr id="6" name="Hình ảnh 5">
+            <a:extLst>
+              <a:ext uri="{FF2B5EF4-FFF2-40B4-BE49-F238E27FC236}">
+                <a16:creationId xmlns:a16="http://schemas.microsoft.com/office/drawing/2014/main" id="{2AD773BF-B8E9-D680-401E-F5AB52ECC68C}"/>
               </a:ext>
             </a:extLst>
           </p:cNvPr>
@@ -6613,21 +6454,15 @@
           <p:nvPr/>
         </p:nvPicPr>
         <p:blipFill>
-          <a:blip r:embed="rId2" cstate="hqprint">
-            <a:extLst>
-              <a:ext uri="{28A0092B-C50C-407E-A947-70E740481C1C}">
-                <a14:useLocalDpi xmlns:a14="http://schemas.microsoft.com/office/drawing/2010/main" val="0"/>
-              </a:ext>
-            </a:extLst>
-          </a:blip>
+          <a:blip r:embed="rId2"/>
           <a:stretch>
             <a:fillRect/>
           </a:stretch>
         </p:blipFill>
         <p:spPr>
           <a:xfrm>
-            <a:off x="2529840" y="1139841"/>
-            <a:ext cx="6451872" cy="4723853"/>
+            <a:off x="2509936" y="1077651"/>
+            <a:ext cx="6559800" cy="4847002"/>
           </a:xfrm>
           <a:prstGeom prst="rect">
             <a:avLst/>
@@ -6880,10 +6715,10 @@
       </p:sp>
       <p:pic>
         <p:nvPicPr>
-          <p:cNvPr id="6" name="Hình ảnh 5">
-            <a:extLst>
-              <a:ext uri="{FF2B5EF4-FFF2-40B4-BE49-F238E27FC236}">
-                <a16:creationId xmlns:a16="http://schemas.microsoft.com/office/drawing/2014/main" id="{1AC7C4B4-2971-6EF1-44CE-24158982CB4E}"/>
+          <p:cNvPr id="7" name="Hình ảnh 6">
+            <a:extLst>
+              <a:ext uri="{FF2B5EF4-FFF2-40B4-BE49-F238E27FC236}">
+                <a16:creationId xmlns:a16="http://schemas.microsoft.com/office/drawing/2014/main" id="{6CBA6016-A2B6-F188-CD4B-25FD8BDD1BA0}"/>
               </a:ext>
             </a:extLst>
           </p:cNvPr>
@@ -6900,8 +6735,8 @@
         </p:blipFill>
         <p:spPr>
           <a:xfrm>
-            <a:off x="295625" y="1579353"/>
-            <a:ext cx="8552749" cy="4315478"/>
+            <a:off x="0" y="1671945"/>
+            <a:ext cx="8673846" cy="3715503"/>
           </a:xfrm>
           <a:prstGeom prst="rect">
             <a:avLst/>
@@ -7149,10 +6984,10 @@
       </p:sp>
       <p:pic>
         <p:nvPicPr>
-          <p:cNvPr id="5" name="Hình ảnh 4" descr="A diagram of a computer flowchart&#10;&#10;Description automatically generated">
-            <a:extLst>
-              <a:ext uri="{FF2B5EF4-FFF2-40B4-BE49-F238E27FC236}">
-                <a16:creationId xmlns:a16="http://schemas.microsoft.com/office/drawing/2014/main" id="{5EB40A7B-6C7C-B466-4E90-CDB7CE3491D8}"/>
+          <p:cNvPr id="5" name="Picture 4" descr="A diagram of a computer flowchart&#10;&#10;Description automatically generated">
+            <a:extLst>
+              <a:ext uri="{FF2B5EF4-FFF2-40B4-BE49-F238E27FC236}">
+                <a16:creationId xmlns:a16="http://schemas.microsoft.com/office/drawing/2014/main" id="{A7E4C7E8-EFB0-63E8-ED85-F789BE0B2C4B}"/>
               </a:ext>
             </a:extLst>
           </p:cNvPr>
@@ -7162,15 +6997,21 @@
           <p:nvPr/>
         </p:nvPicPr>
         <p:blipFill>
-          <a:blip r:embed="rId2"/>
+          <a:blip r:embed="rId2" cstate="print">
+            <a:extLst>
+              <a:ext uri="{28A0092B-C50C-407E-A947-70E740481C1C}">
+                <a14:useLocalDpi xmlns:a14="http://schemas.microsoft.com/office/drawing/2010/main" val="0"/>
+              </a:ext>
+            </a:extLst>
+          </a:blip>
           <a:stretch>
             <a:fillRect/>
           </a:stretch>
         </p:blipFill>
         <p:spPr>
           <a:xfrm>
-            <a:off x="476250" y="1835432"/>
-            <a:ext cx="8181975" cy="3396685"/>
+            <a:off x="74016" y="1859236"/>
+            <a:ext cx="8958017" cy="3719770"/>
           </a:xfrm>
           <a:prstGeom prst="rect">
             <a:avLst/>
@@ -8039,245 +7880,4 @@
     </a:ext>
   </a:extLst>
 </a:theme>
-</file>
-
-<file path=customXml/item1.xml><?xml version="1.0" encoding="utf-8"?>
-<ct:contentTypeSchema xmlns:ct="http://schemas.microsoft.com/office/2006/metadata/contentType" xmlns:ma="http://schemas.microsoft.com/office/2006/metadata/properties/metaAttributes" ct:_="" ma:_="" ma:contentTypeName="Document" ma:contentTypeID="0x010100D23CE91256A96844AC1A74847DE15B6B" ma:contentTypeVersion="9" ma:contentTypeDescription="Create a new document." ma:contentTypeScope="" ma:versionID="b5b12393c2ffa52ea8d87a064588c416">
-  <xsd:schema xmlns:xsd="http://www.w3.org/2001/XMLSchema" xmlns:xs="http://www.w3.org/2001/XMLSchema" xmlns:p="http://schemas.microsoft.com/office/2006/metadata/properties" xmlns:ns2="a091180a-d632-405d-bebf-d7ece79babe9" xmlns:ns3="b59b9ac8-1f21-4b70-ad3d-cae3c32c2216" targetNamespace="http://schemas.microsoft.com/office/2006/metadata/properties" ma:root="true" ma:fieldsID="5f67bcb1250ce38b6cd2cca33f645c97" ns2:_="" ns3:_="">
-    <xsd:import namespace="a091180a-d632-405d-bebf-d7ece79babe9"/>
-    <xsd:import namespace="b59b9ac8-1f21-4b70-ad3d-cae3c32c2216"/>
-    <xsd:element name="properties">
-      <xsd:complexType>
-        <xsd:sequence>
-          <xsd:element name="documentManagement">
-            <xsd:complexType>
-              <xsd:all>
-                <xsd:element ref="ns2:MediaServiceMetadata" minOccurs="0"/>
-                <xsd:element ref="ns2:MediaServiceFastMetadata" minOccurs="0"/>
-                <xsd:element ref="ns2:MediaServiceObjectDetectorVersions" minOccurs="0"/>
-                <xsd:element ref="ns2:MediaServiceGenerationTime" minOccurs="0"/>
-                <xsd:element ref="ns2:MediaServiceEventHashCode" minOccurs="0"/>
-                <xsd:element ref="ns2:lcf76f155ced4ddcb4097134ff3c332f" minOccurs="0"/>
-                <xsd:element ref="ns3:TaxCatchAll" minOccurs="0"/>
-                <xsd:element ref="ns2:MediaServiceOCR" minOccurs="0"/>
-              </xsd:all>
-            </xsd:complexType>
-          </xsd:element>
-        </xsd:sequence>
-      </xsd:complexType>
-    </xsd:element>
-  </xsd:schema>
-  <xsd:schema xmlns:xsd="http://www.w3.org/2001/XMLSchema" xmlns:xs="http://www.w3.org/2001/XMLSchema" xmlns:dms="http://schemas.microsoft.com/office/2006/documentManagement/types" xmlns:pc="http://schemas.microsoft.com/office/infopath/2007/PartnerControls" targetNamespace="a091180a-d632-405d-bebf-d7ece79babe9" elementFormDefault="qualified">
-    <xsd:import namespace="http://schemas.microsoft.com/office/2006/documentManagement/types"/>
-    <xsd:import namespace="http://schemas.microsoft.com/office/infopath/2007/PartnerControls"/>
-    <xsd:element name="MediaServiceMetadata" ma:index="8" nillable="true" ma:displayName="MediaServiceMetadata" ma:hidden="true" ma:internalName="MediaServiceMetadata" ma:readOnly="true">
-      <xsd:simpleType>
-        <xsd:restriction base="dms:Note"/>
-      </xsd:simpleType>
-    </xsd:element>
-    <xsd:element name="MediaServiceFastMetadata" ma:index="9" nillable="true" ma:displayName="MediaServiceFastMetadata" ma:hidden="true" ma:internalName="MediaServiceFastMetadata" ma:readOnly="true">
-      <xsd:simpleType>
-        <xsd:restriction base="dms:Note"/>
-      </xsd:simpleType>
-    </xsd:element>
-    <xsd:element name="MediaServiceObjectDetectorVersions" ma:index="10" nillable="true" ma:displayName="MediaServiceObjectDetectorVersions" ma:hidden="true" ma:indexed="true" ma:internalName="MediaServiceObjectDetectorVersions" ma:readOnly="true">
-      <xsd:simpleType>
-        <xsd:restriction base="dms:Text"/>
-      </xsd:simpleType>
-    </xsd:element>
-    <xsd:element name="MediaServiceGenerationTime" ma:index="11" nillable="true" ma:displayName="MediaServiceGenerationTime" ma:hidden="true" ma:internalName="MediaServiceGenerationTime" ma:readOnly="true">
-      <xsd:simpleType>
-        <xsd:restriction base="dms:Text"/>
-      </xsd:simpleType>
-    </xsd:element>
-    <xsd:element name="MediaServiceEventHashCode" ma:index="12" nillable="true" ma:displayName="MediaServiceEventHashCode" ma:hidden="true" ma:internalName="MediaServiceEventHashCode" ma:readOnly="true">
-      <xsd:simpleType>
-        <xsd:restriction base="dms:Text"/>
-      </xsd:simpleType>
-    </xsd:element>
-    <xsd:element name="lcf76f155ced4ddcb4097134ff3c332f" ma:index="14" nillable="true" ma:taxonomy="true" ma:internalName="lcf76f155ced4ddcb4097134ff3c332f" ma:taxonomyFieldName="MediaServiceImageTags" ma:displayName="Image Tags" ma:readOnly="false" ma:fieldId="{5cf76f15-5ced-4ddc-b409-7134ff3c332f}" ma:taxonomyMulti="true" ma:sspId="546fe6cf-c6c6-432e-bc3b-e1a865b2857d" ma:termSetId="09814cd3-568e-fe90-9814-8d621ff8fb84" ma:anchorId="fba54fb3-c3e1-fe81-a776-ca4b69148c4d" ma:open="true" ma:isKeyword="false">
-      <xsd:complexType>
-        <xsd:sequence>
-          <xsd:element ref="pc:Terms" minOccurs="0" maxOccurs="1"/>
-        </xsd:sequence>
-      </xsd:complexType>
-    </xsd:element>
-    <xsd:element name="MediaServiceOCR" ma:index="16" nillable="true" ma:displayName="Extracted Text" ma:internalName="MediaServiceOCR" ma:readOnly="true">
-      <xsd:simpleType>
-        <xsd:restriction base="dms:Note">
-          <xsd:maxLength value="255"/>
-        </xsd:restriction>
-      </xsd:simpleType>
-    </xsd:element>
-  </xsd:schema>
-  <xsd:schema xmlns:xsd="http://www.w3.org/2001/XMLSchema" xmlns:xs="http://www.w3.org/2001/XMLSchema" xmlns:dms="http://schemas.microsoft.com/office/2006/documentManagement/types" xmlns:pc="http://schemas.microsoft.com/office/infopath/2007/PartnerControls" targetNamespace="b59b9ac8-1f21-4b70-ad3d-cae3c32c2216" elementFormDefault="qualified">
-    <xsd:import namespace="http://schemas.microsoft.com/office/2006/documentManagement/types"/>
-    <xsd:import namespace="http://schemas.microsoft.com/office/infopath/2007/PartnerControls"/>
-    <xsd:element name="TaxCatchAll" ma:index="15" nillable="true" ma:displayName="Taxonomy Catch All Column" ma:hidden="true" ma:list="{c36c913c-bf9f-4ae1-8fc1-f0efe99e7a5b}" ma:internalName="TaxCatchAll" ma:showField="CatchAllData" ma:web="b59b9ac8-1f21-4b70-ad3d-cae3c32c2216">
-      <xsd:complexType>
-        <xsd:complexContent>
-          <xsd:extension base="dms:MultiChoiceLookup">
-            <xsd:sequence>
-              <xsd:element name="Value" type="dms:Lookup" maxOccurs="unbounded" minOccurs="0" nillable="true"/>
-            </xsd:sequence>
-          </xsd:extension>
-        </xsd:complexContent>
-      </xsd:complexType>
-    </xsd:element>
-  </xsd:schema>
-  <xsd:schema xmlns="http://schemas.openxmlformats.org/package/2006/metadata/core-properties" xmlns:xsd="http://www.w3.org/2001/XMLSchema" xmlns:xsi="http://www.w3.org/2001/XMLSchema-instance" xmlns:dc="http://purl.org/dc/elements/1.1/" xmlns:dcterms="http://purl.org/dc/terms/" xmlns:odoc="http://schemas.microsoft.com/internal/obd" targetNamespace="http://schemas.openxmlformats.org/package/2006/metadata/core-properties" elementFormDefault="qualified" attributeFormDefault="unqualified" blockDefault="#all">
-    <xsd:import namespace="http://purl.org/dc/elements/1.1/" schemaLocation="http://dublincore.org/schemas/xmls/qdc/2003/04/02/dc.xsd"/>
-    <xsd:import namespace="http://purl.org/dc/terms/" schemaLocation="http://dublincore.org/schemas/xmls/qdc/2003/04/02/dcterms.xsd"/>
-    <xsd:element name="coreProperties" type="CT_coreProperties"/>
-    <xsd:complexType name="CT_coreProperties">
-      <xsd:all>
-        <xsd:element ref="dc:creator" minOccurs="0" maxOccurs="1"/>
-        <xsd:element ref="dcterms:created" minOccurs="0" maxOccurs="1"/>
-        <xsd:element ref="dc:identifier" minOccurs="0" maxOccurs="1"/>
-        <xsd:element name="contentType" minOccurs="0" maxOccurs="1" type="xsd:string" ma:index="0" ma:displayName="Content Type"/>
-        <xsd:element ref="dc:title" minOccurs="0" maxOccurs="1" ma:index="4" ma:displayName="Title"/>
-        <xsd:element ref="dc:subject" minOccurs="0" maxOccurs="1"/>
-        <xsd:element ref="dc:description" minOccurs="0" maxOccurs="1"/>
-        <xsd:element name="keywords" minOccurs="0" maxOccurs="1" type="xsd:string"/>
-        <xsd:element ref="dc:language" minOccurs="0" maxOccurs="1"/>
-        <xsd:element name="category" minOccurs="0" maxOccurs="1" type="xsd:string"/>
-        <xsd:element name="version" minOccurs="0" maxOccurs="1" type="xsd:string"/>
-        <xsd:element name="revision" minOccurs="0" maxOccurs="1" type="xsd:string">
-          <xsd:annotation>
-            <xsd:documentation>
-                        This value indicates the number of saves or revisions. The application is responsible for updating this value after each revision.
-                    </xsd:documentation>
-          </xsd:annotation>
-        </xsd:element>
-        <xsd:element name="lastModifiedBy" minOccurs="0" maxOccurs="1" type="xsd:string"/>
-        <xsd:element ref="dcterms:modified" minOccurs="0" maxOccurs="1"/>
-        <xsd:element name="contentStatus" minOccurs="0" maxOccurs="1" type="xsd:string"/>
-      </xsd:all>
-    </xsd:complexType>
-  </xsd:schema>
-  <xs:schema xmlns:pc="http://schemas.microsoft.com/office/infopath/2007/PartnerControls" xmlns:xs="http://www.w3.org/2001/XMLSchema" targetNamespace="http://schemas.microsoft.com/office/infopath/2007/PartnerControls" elementFormDefault="qualified" attributeFormDefault="unqualified">
-    <xs:element name="Person">
-      <xs:complexType>
-        <xs:sequence>
-          <xs:element ref="pc:DisplayName" minOccurs="0"/>
-          <xs:element ref="pc:AccountId" minOccurs="0"/>
-          <xs:element ref="pc:AccountType" minOccurs="0"/>
-        </xs:sequence>
-      </xs:complexType>
-    </xs:element>
-    <xs:element name="DisplayName" type="xs:string"/>
-    <xs:element name="AccountId" type="xs:string"/>
-    <xs:element name="AccountType" type="xs:string"/>
-    <xs:element name="BDCAssociatedEntity">
-      <xs:complexType>
-        <xs:sequence>
-          <xs:element ref="pc:BDCEntity" minOccurs="0" maxOccurs="unbounded"/>
-        </xs:sequence>
-        <xs:attribute ref="pc:EntityNamespace"/>
-        <xs:attribute ref="pc:EntityName"/>
-        <xs:attribute ref="pc:SystemInstanceName"/>
-        <xs:attribute ref="pc:AssociationName"/>
-      </xs:complexType>
-    </xs:element>
-    <xs:attribute name="EntityNamespace" type="xs:string"/>
-    <xs:attribute name="EntityName" type="xs:string"/>
-    <xs:attribute name="SystemInstanceName" type="xs:string"/>
-    <xs:attribute name="AssociationName" type="xs:string"/>
-    <xs:element name="BDCEntity">
-      <xs:complexType>
-        <xs:sequence>
-          <xs:element ref="pc:EntityDisplayName" minOccurs="0"/>
-          <xs:element ref="pc:EntityInstanceReference" minOccurs="0"/>
-          <xs:element ref="pc:EntityId1" minOccurs="0"/>
-          <xs:element ref="pc:EntityId2" minOccurs="0"/>
-          <xs:element ref="pc:EntityId3" minOccurs="0"/>
-          <xs:element ref="pc:EntityId4" minOccurs="0"/>
-          <xs:element ref="pc:EntityId5" minOccurs="0"/>
-        </xs:sequence>
-      </xs:complexType>
-    </xs:element>
-    <xs:element name="EntityDisplayName" type="xs:string"/>
-    <xs:element name="EntityInstanceReference" type="xs:string"/>
-    <xs:element name="EntityId1" type="xs:string"/>
-    <xs:element name="EntityId2" type="xs:string"/>
-    <xs:element name="EntityId3" type="xs:string"/>
-    <xs:element name="EntityId4" type="xs:string"/>
-    <xs:element name="EntityId5" type="xs:string"/>
-    <xs:element name="Terms">
-      <xs:complexType>
-        <xs:sequence>
-          <xs:element ref="pc:TermInfo" minOccurs="0" maxOccurs="unbounded"/>
-        </xs:sequence>
-      </xs:complexType>
-    </xs:element>
-    <xs:element name="TermInfo">
-      <xs:complexType>
-        <xs:sequence>
-          <xs:element ref="pc:TermName" minOccurs="0"/>
-          <xs:element ref="pc:TermId" minOccurs="0"/>
-        </xs:sequence>
-      </xs:complexType>
-    </xs:element>
-    <xs:element name="TermName" type="xs:string"/>
-    <xs:element name="TermId" type="xs:string"/>
-  </xs:schema>
-</ct:contentTypeSchema>
-</file>
-
-<file path=customXml/item2.xml><?xml version="1.0" encoding="utf-8"?>
-<p:properties xmlns:p="http://schemas.microsoft.com/office/2006/metadata/properties" xmlns:xsi="http://www.w3.org/2001/XMLSchema-instance" xmlns:pc="http://schemas.microsoft.com/office/infopath/2007/PartnerControls">
-  <documentManagement>
-    <TaxCatchAll xmlns="b59b9ac8-1f21-4b70-ad3d-cae3c32c2216" xsi:nil="true"/>
-    <lcf76f155ced4ddcb4097134ff3c332f xmlns="a091180a-d632-405d-bebf-d7ece79babe9">
-      <Terms xmlns="http://schemas.microsoft.com/office/infopath/2007/PartnerControls"/>
-    </lcf76f155ced4ddcb4097134ff3c332f>
-  </documentManagement>
-</p:properties>
-</file>
-
-<file path=customXml/item3.xml><?xml version="1.0" encoding="utf-8"?>
-<?mso-contentType ?>
-<FormTemplates xmlns="http://schemas.microsoft.com/sharepoint/v3/contenttype/forms">
-  <Display>DocumentLibraryForm</Display>
-  <Edit>DocumentLibraryForm</Edit>
-  <New>DocumentLibraryForm</New>
-</FormTemplates>
-</file>
-
-<file path=customXml/itemProps1.xml><?xml version="1.0" encoding="utf-8"?>
-<ds:datastoreItem xmlns:ds="http://schemas.openxmlformats.org/officeDocument/2006/customXml" ds:itemID="{E30FACAB-0F22-40A9-8191-1578847ADDA9}">
-  <ds:schemaRefs>
-    <ds:schemaRef ds:uri="http://schemas.microsoft.com/office/2006/metadata/contentType"/>
-    <ds:schemaRef ds:uri="http://schemas.microsoft.com/office/2006/metadata/properties/metaAttributes"/>
-    <ds:schemaRef ds:uri="http://www.w3.org/2001/XMLSchema"/>
-    <ds:schemaRef ds:uri="http://schemas.microsoft.com/office/2006/metadata/properties"/>
-    <ds:schemaRef ds:uri="a091180a-d632-405d-bebf-d7ece79babe9"/>
-    <ds:schemaRef ds:uri="b59b9ac8-1f21-4b70-ad3d-cae3c32c2216"/>
-    <ds:schemaRef ds:uri="http://schemas.microsoft.com/office/2006/documentManagement/types"/>
-    <ds:schemaRef ds:uri="http://schemas.microsoft.com/office/infopath/2007/PartnerControls"/>
-    <ds:schemaRef ds:uri="http://schemas.openxmlformats.org/package/2006/metadata/core-properties"/>
-    <ds:schemaRef ds:uri="http://purl.org/dc/elements/1.1/"/>
-    <ds:schemaRef ds:uri="http://purl.org/dc/terms/"/>
-    <ds:schemaRef ds:uri="http://schemas.microsoft.com/internal/obd"/>
-  </ds:schemaRefs>
-</ds:datastoreItem>
-</file>
-
-<file path=customXml/itemProps2.xml><?xml version="1.0" encoding="utf-8"?>
-<ds:datastoreItem xmlns:ds="http://schemas.openxmlformats.org/officeDocument/2006/customXml" ds:itemID="{3C3F47CA-A1F4-4121-B34F-0280B34FF53C}">
-  <ds:schemaRefs>
-    <ds:schemaRef ds:uri="http://schemas.microsoft.com/office/2006/metadata/properties"/>
-    <ds:schemaRef ds:uri="http://schemas.microsoft.com/office/infopath/2007/PartnerControls"/>
-    <ds:schemaRef ds:uri="b59b9ac8-1f21-4b70-ad3d-cae3c32c2216"/>
-    <ds:schemaRef ds:uri="a091180a-d632-405d-bebf-d7ece79babe9"/>
-  </ds:schemaRefs>
-</ds:datastoreItem>
-</file>
-
-<file path=customXml/itemProps3.xml><?xml version="1.0" encoding="utf-8"?>
-<ds:datastoreItem xmlns:ds="http://schemas.openxmlformats.org/officeDocument/2006/customXml" ds:itemID="{DEFC7E52-FBA5-45E0-A378-1A9AC6488E2E}">
-  <ds:schemaRefs>
-    <ds:schemaRef ds:uri="http://schemas.microsoft.com/sharepoint/v3/contenttype/forms"/>
-  </ds:schemaRefs>
-</ds:datastoreItem>
 </file>
--- a/Presentation/OOP_Project.pptx
+++ b/Presentation/OOP_Project.pptx
@@ -6441,10 +6441,10 @@
       </p:sp>
       <p:pic>
         <p:nvPicPr>
-          <p:cNvPr id="6" name="Hình ảnh 5">
-            <a:extLst>
-              <a:ext uri="{FF2B5EF4-FFF2-40B4-BE49-F238E27FC236}">
-                <a16:creationId xmlns:a16="http://schemas.microsoft.com/office/drawing/2014/main" id="{2AD773BF-B8E9-D680-401E-F5AB52ECC68C}"/>
+          <p:cNvPr id="7" name="Hình ảnh 6">
+            <a:extLst>
+              <a:ext uri="{FF2B5EF4-FFF2-40B4-BE49-F238E27FC236}">
+                <a16:creationId xmlns:a16="http://schemas.microsoft.com/office/drawing/2014/main" id="{08F53A4F-46B6-E1ED-C101-3B055876FD7A}"/>
               </a:ext>
             </a:extLst>
           </p:cNvPr>
@@ -6461,8 +6461,8 @@
         </p:blipFill>
         <p:spPr>
           <a:xfrm>
-            <a:off x="2509936" y="1077651"/>
-            <a:ext cx="6559800" cy="4847002"/>
+            <a:off x="2475958" y="1081927"/>
+            <a:ext cx="6668042" cy="4931647"/>
           </a:xfrm>
           <a:prstGeom prst="rect">
             <a:avLst/>
@@ -6715,10 +6715,10 @@
       </p:sp>
       <p:pic>
         <p:nvPicPr>
-          <p:cNvPr id="7" name="Hình ảnh 6">
-            <a:extLst>
-              <a:ext uri="{FF2B5EF4-FFF2-40B4-BE49-F238E27FC236}">
-                <a16:creationId xmlns:a16="http://schemas.microsoft.com/office/drawing/2014/main" id="{6CBA6016-A2B6-F188-CD4B-25FD8BDD1BA0}"/>
+          <p:cNvPr id="6" name="Hình ảnh 5">
+            <a:extLst>
+              <a:ext uri="{FF2B5EF4-FFF2-40B4-BE49-F238E27FC236}">
+                <a16:creationId xmlns:a16="http://schemas.microsoft.com/office/drawing/2014/main" id="{D0D93614-5BB5-886D-AA14-682EF5266B97}"/>
               </a:ext>
             </a:extLst>
           </p:cNvPr>
@@ -6735,8 +6735,8 @@
         </p:blipFill>
         <p:spPr>
           <a:xfrm>
-            <a:off x="0" y="1671945"/>
-            <a:ext cx="8673846" cy="3715503"/>
+            <a:off x="153955" y="1558213"/>
+            <a:ext cx="8836090" cy="3826941"/>
           </a:xfrm>
           <a:prstGeom prst="rect">
             <a:avLst/>
